--- a/presentation/Presentation1.pptx
+++ b/presentation/Presentation1.pptx
@@ -5,7 +5,7 @@
     <p:sldMasterId id="2147483648" r:id="rId1"/>
   </p:sldMasterIdLst>
   <p:notesMasterIdLst>
-    <p:notesMasterId r:id="rId14"/>
+    <p:notesMasterId r:id="rId21"/>
   </p:notesMasterIdLst>
   <p:sldIdLst>
     <p:sldId id="256" r:id="rId2"/>
@@ -20,6 +20,13 @@
     <p:sldId id="265" r:id="rId11"/>
     <p:sldId id="266" r:id="rId12"/>
     <p:sldId id="267" r:id="rId13"/>
+    <p:sldId id="268" r:id="rId14"/>
+    <p:sldId id="269" r:id="rId15"/>
+    <p:sldId id="270" r:id="rId16"/>
+    <p:sldId id="271" r:id="rId17"/>
+    <p:sldId id="272" r:id="rId18"/>
+    <p:sldId id="273" r:id="rId19"/>
+    <p:sldId id="274" r:id="rId20"/>
   </p:sldIdLst>
   <p:sldSz cx="12192000" cy="6858000"/>
   <p:notesSz cx="6858000" cy="9144000"/>
@@ -542,6 +549,587 @@
     <p:extLst>
       <p:ext uri="{BB962C8B-B14F-4D97-AF65-F5344CB8AC3E}">
         <p14:creationId xmlns:p14="http://schemas.microsoft.com/office/powerpoint/2010/main" val="4242106548"/>
+      </p:ext>
+    </p:extLst>
+  </p:cSld>
+  <p:clrMapOvr>
+    <a:masterClrMapping/>
+  </p:clrMapOvr>
+</p:notes>
+</file>
+
+<file path=ppt/notesSlides/notesSlide2.xml><?xml version="1.0" encoding="utf-8"?>
+<p:notes xmlns:a="http://schemas.openxmlformats.org/drawingml/2006/main" xmlns:r="http://schemas.openxmlformats.org/officeDocument/2006/relationships" xmlns:p="http://schemas.openxmlformats.org/presentationml/2006/main">
+  <p:cSld>
+    <p:spTree>
+      <p:nvGrpSpPr>
+        <p:cNvPr id="1" name=""/>
+        <p:cNvGrpSpPr/>
+        <p:nvPr/>
+      </p:nvGrpSpPr>
+      <p:grpSpPr>
+        <a:xfrm>
+          <a:off x="0" y="0"/>
+          <a:ext cx="0" cy="0"/>
+          <a:chOff x="0" y="0"/>
+          <a:chExt cx="0" cy="0"/>
+        </a:xfrm>
+      </p:grpSpPr>
+      <p:sp>
+        <p:nvSpPr>
+          <p:cNvPr id="2" name="Slide Image Placeholder 1"/>
+          <p:cNvSpPr>
+            <a:spLocks noGrp="1" noRot="1" noChangeAspect="1"/>
+          </p:cNvSpPr>
+          <p:nvPr>
+            <p:ph type="sldImg"/>
+          </p:nvPr>
+        </p:nvSpPr>
+        <p:spPr/>
+      </p:sp>
+      <p:sp>
+        <p:nvSpPr>
+          <p:cNvPr id="3" name="Notes Placeholder 2"/>
+          <p:cNvSpPr>
+            <a:spLocks noGrp="1"/>
+          </p:cNvSpPr>
+          <p:nvPr>
+            <p:ph type="body" idx="1"/>
+          </p:nvPr>
+        </p:nvSpPr>
+        <p:spPr/>
+        <p:txBody>
+          <a:bodyPr/>
+          <a:lstStyle/>
+          <a:p>
+            <a:endParaRPr lang="en-US"/>
+          </a:p>
+        </p:txBody>
+      </p:sp>
+      <p:sp>
+        <p:nvSpPr>
+          <p:cNvPr id="4" name="Slide Number Placeholder 3"/>
+          <p:cNvSpPr>
+            <a:spLocks noGrp="1"/>
+          </p:cNvSpPr>
+          <p:nvPr>
+            <p:ph type="sldNum" sz="quarter" idx="5"/>
+          </p:nvPr>
+        </p:nvSpPr>
+        <p:spPr/>
+        <p:txBody>
+          <a:bodyPr/>
+          <a:lstStyle/>
+          <a:p>
+            <a:fld id="{B875CB45-0991-4D41-A750-45B3CF45590E}" type="slidenum">
+              <a:t>13</a:t>
+            </a:fld>
+            <a:endParaRPr lang="en-US"/>
+          </a:p>
+        </p:txBody>
+      </p:sp>
+    </p:spTree>
+    <p:extLst>
+      <p:ext uri="{BB962C8B-B14F-4D97-AF65-F5344CB8AC3E}">
+        <p14:creationId xmlns:p14="http://schemas.microsoft.com/office/powerpoint/2010/main" val="2305323406"/>
+      </p:ext>
+    </p:extLst>
+  </p:cSld>
+  <p:clrMapOvr>
+    <a:masterClrMapping/>
+  </p:clrMapOvr>
+</p:notes>
+</file>
+
+<file path=ppt/notesSlides/notesSlide3.xml><?xml version="1.0" encoding="utf-8"?>
+<p:notes xmlns:a="http://schemas.openxmlformats.org/drawingml/2006/main" xmlns:r="http://schemas.openxmlformats.org/officeDocument/2006/relationships" xmlns:p="http://schemas.openxmlformats.org/presentationml/2006/main">
+  <p:cSld>
+    <p:spTree>
+      <p:nvGrpSpPr>
+        <p:cNvPr id="1" name=""/>
+        <p:cNvGrpSpPr/>
+        <p:nvPr/>
+      </p:nvGrpSpPr>
+      <p:grpSpPr>
+        <a:xfrm>
+          <a:off x="0" y="0"/>
+          <a:ext cx="0" cy="0"/>
+          <a:chOff x="0" y="0"/>
+          <a:chExt cx="0" cy="0"/>
+        </a:xfrm>
+      </p:grpSpPr>
+      <p:sp>
+        <p:nvSpPr>
+          <p:cNvPr id="2" name="Slide Image Placeholder 1"/>
+          <p:cNvSpPr>
+            <a:spLocks noGrp="1" noRot="1" noChangeAspect="1"/>
+          </p:cNvSpPr>
+          <p:nvPr>
+            <p:ph type="sldImg"/>
+          </p:nvPr>
+        </p:nvSpPr>
+        <p:spPr/>
+      </p:sp>
+      <p:sp>
+        <p:nvSpPr>
+          <p:cNvPr id="3" name="Notes Placeholder 2"/>
+          <p:cNvSpPr>
+            <a:spLocks noGrp="1"/>
+          </p:cNvSpPr>
+          <p:nvPr>
+            <p:ph type="body" idx="1"/>
+          </p:nvPr>
+        </p:nvSpPr>
+        <p:spPr/>
+        <p:txBody>
+          <a:bodyPr/>
+          <a:lstStyle/>
+          <a:p>
+            <a:endParaRPr lang="en-US"/>
+          </a:p>
+        </p:txBody>
+      </p:sp>
+      <p:sp>
+        <p:nvSpPr>
+          <p:cNvPr id="4" name="Slide Number Placeholder 3"/>
+          <p:cNvSpPr>
+            <a:spLocks noGrp="1"/>
+          </p:cNvSpPr>
+          <p:nvPr>
+            <p:ph type="sldNum" sz="quarter" idx="5"/>
+          </p:nvPr>
+        </p:nvSpPr>
+        <p:spPr/>
+        <p:txBody>
+          <a:bodyPr/>
+          <a:lstStyle/>
+          <a:p>
+            <a:fld id="{B875CB45-0991-4D41-A750-45B3CF45590E}" type="slidenum">
+              <a:t>14</a:t>
+            </a:fld>
+            <a:endParaRPr lang="en-US"/>
+          </a:p>
+        </p:txBody>
+      </p:sp>
+    </p:spTree>
+    <p:extLst>
+      <p:ext uri="{BB962C8B-B14F-4D97-AF65-F5344CB8AC3E}">
+        <p14:creationId xmlns:p14="http://schemas.microsoft.com/office/powerpoint/2010/main" val="2417685609"/>
+      </p:ext>
+    </p:extLst>
+  </p:cSld>
+  <p:clrMapOvr>
+    <a:masterClrMapping/>
+  </p:clrMapOvr>
+</p:notes>
+</file>
+
+<file path=ppt/notesSlides/notesSlide4.xml><?xml version="1.0" encoding="utf-8"?>
+<p:notes xmlns:a="http://schemas.openxmlformats.org/drawingml/2006/main" xmlns:r="http://schemas.openxmlformats.org/officeDocument/2006/relationships" xmlns:p="http://schemas.openxmlformats.org/presentationml/2006/main">
+  <p:cSld>
+    <p:spTree>
+      <p:nvGrpSpPr>
+        <p:cNvPr id="1" name=""/>
+        <p:cNvGrpSpPr/>
+        <p:nvPr/>
+      </p:nvGrpSpPr>
+      <p:grpSpPr>
+        <a:xfrm>
+          <a:off x="0" y="0"/>
+          <a:ext cx="0" cy="0"/>
+          <a:chOff x="0" y="0"/>
+          <a:chExt cx="0" cy="0"/>
+        </a:xfrm>
+      </p:grpSpPr>
+      <p:sp>
+        <p:nvSpPr>
+          <p:cNvPr id="2" name="Slide Image Placeholder 1"/>
+          <p:cNvSpPr>
+            <a:spLocks noGrp="1" noRot="1" noChangeAspect="1"/>
+          </p:cNvSpPr>
+          <p:nvPr>
+            <p:ph type="sldImg"/>
+          </p:nvPr>
+        </p:nvSpPr>
+        <p:spPr/>
+      </p:sp>
+      <p:sp>
+        <p:nvSpPr>
+          <p:cNvPr id="3" name="Notes Placeholder 2"/>
+          <p:cNvSpPr>
+            <a:spLocks noGrp="1"/>
+          </p:cNvSpPr>
+          <p:nvPr>
+            <p:ph type="body" idx="1"/>
+          </p:nvPr>
+        </p:nvSpPr>
+        <p:spPr/>
+        <p:txBody>
+          <a:bodyPr/>
+          <a:lstStyle/>
+          <a:p>
+            <a:endParaRPr lang="en-US"/>
+          </a:p>
+        </p:txBody>
+      </p:sp>
+      <p:sp>
+        <p:nvSpPr>
+          <p:cNvPr id="4" name="Slide Number Placeholder 3"/>
+          <p:cNvSpPr>
+            <a:spLocks noGrp="1"/>
+          </p:cNvSpPr>
+          <p:nvPr>
+            <p:ph type="sldNum" sz="quarter" idx="5"/>
+          </p:nvPr>
+        </p:nvSpPr>
+        <p:spPr/>
+        <p:txBody>
+          <a:bodyPr/>
+          <a:lstStyle/>
+          <a:p>
+            <a:fld id="{B875CB45-0991-4D41-A750-45B3CF45590E}" type="slidenum">
+              <a:t>15</a:t>
+            </a:fld>
+            <a:endParaRPr lang="en-US"/>
+          </a:p>
+        </p:txBody>
+      </p:sp>
+    </p:spTree>
+    <p:extLst>
+      <p:ext uri="{BB962C8B-B14F-4D97-AF65-F5344CB8AC3E}">
+        <p14:creationId xmlns:p14="http://schemas.microsoft.com/office/powerpoint/2010/main" val="3967787169"/>
+      </p:ext>
+    </p:extLst>
+  </p:cSld>
+  <p:clrMapOvr>
+    <a:masterClrMapping/>
+  </p:clrMapOvr>
+</p:notes>
+</file>
+
+<file path=ppt/notesSlides/notesSlide5.xml><?xml version="1.0" encoding="utf-8"?>
+<p:notes xmlns:a="http://schemas.openxmlformats.org/drawingml/2006/main" xmlns:r="http://schemas.openxmlformats.org/officeDocument/2006/relationships" xmlns:p="http://schemas.openxmlformats.org/presentationml/2006/main">
+  <p:cSld>
+    <p:spTree>
+      <p:nvGrpSpPr>
+        <p:cNvPr id="1" name=""/>
+        <p:cNvGrpSpPr/>
+        <p:nvPr/>
+      </p:nvGrpSpPr>
+      <p:grpSpPr>
+        <a:xfrm>
+          <a:off x="0" y="0"/>
+          <a:ext cx="0" cy="0"/>
+          <a:chOff x="0" y="0"/>
+          <a:chExt cx="0" cy="0"/>
+        </a:xfrm>
+      </p:grpSpPr>
+      <p:sp>
+        <p:nvSpPr>
+          <p:cNvPr id="2" name="Slide Image Placeholder 1"/>
+          <p:cNvSpPr>
+            <a:spLocks noGrp="1" noRot="1" noChangeAspect="1"/>
+          </p:cNvSpPr>
+          <p:nvPr>
+            <p:ph type="sldImg"/>
+          </p:nvPr>
+        </p:nvSpPr>
+        <p:spPr/>
+      </p:sp>
+      <p:sp>
+        <p:nvSpPr>
+          <p:cNvPr id="3" name="Notes Placeholder 2"/>
+          <p:cNvSpPr>
+            <a:spLocks noGrp="1"/>
+          </p:cNvSpPr>
+          <p:nvPr>
+            <p:ph type="body" idx="1"/>
+          </p:nvPr>
+        </p:nvSpPr>
+        <p:spPr/>
+        <p:txBody>
+          <a:bodyPr/>
+          <a:lstStyle/>
+          <a:p>
+            <a:endParaRPr lang="en-US"/>
+          </a:p>
+        </p:txBody>
+      </p:sp>
+      <p:sp>
+        <p:nvSpPr>
+          <p:cNvPr id="4" name="Slide Number Placeholder 3"/>
+          <p:cNvSpPr>
+            <a:spLocks noGrp="1"/>
+          </p:cNvSpPr>
+          <p:nvPr>
+            <p:ph type="sldNum" sz="quarter" idx="5"/>
+          </p:nvPr>
+        </p:nvSpPr>
+        <p:spPr/>
+        <p:txBody>
+          <a:bodyPr/>
+          <a:lstStyle/>
+          <a:p>
+            <a:fld id="{B875CB45-0991-4D41-A750-45B3CF45590E}" type="slidenum">
+              <a:t>16</a:t>
+            </a:fld>
+            <a:endParaRPr lang="en-US"/>
+          </a:p>
+        </p:txBody>
+      </p:sp>
+    </p:spTree>
+    <p:extLst>
+      <p:ext uri="{BB962C8B-B14F-4D97-AF65-F5344CB8AC3E}">
+        <p14:creationId xmlns:p14="http://schemas.microsoft.com/office/powerpoint/2010/main" val="3691623140"/>
+      </p:ext>
+    </p:extLst>
+  </p:cSld>
+  <p:clrMapOvr>
+    <a:masterClrMapping/>
+  </p:clrMapOvr>
+</p:notes>
+</file>
+
+<file path=ppt/notesSlides/notesSlide6.xml><?xml version="1.0" encoding="utf-8"?>
+<p:notes xmlns:a="http://schemas.openxmlformats.org/drawingml/2006/main" xmlns:r="http://schemas.openxmlformats.org/officeDocument/2006/relationships" xmlns:p="http://schemas.openxmlformats.org/presentationml/2006/main">
+  <p:cSld>
+    <p:spTree>
+      <p:nvGrpSpPr>
+        <p:cNvPr id="1" name=""/>
+        <p:cNvGrpSpPr/>
+        <p:nvPr/>
+      </p:nvGrpSpPr>
+      <p:grpSpPr>
+        <a:xfrm>
+          <a:off x="0" y="0"/>
+          <a:ext cx="0" cy="0"/>
+          <a:chOff x="0" y="0"/>
+          <a:chExt cx="0" cy="0"/>
+        </a:xfrm>
+      </p:grpSpPr>
+      <p:sp>
+        <p:nvSpPr>
+          <p:cNvPr id="2" name="Slide Image Placeholder 1"/>
+          <p:cNvSpPr>
+            <a:spLocks noGrp="1" noRot="1" noChangeAspect="1"/>
+          </p:cNvSpPr>
+          <p:nvPr>
+            <p:ph type="sldImg"/>
+          </p:nvPr>
+        </p:nvSpPr>
+        <p:spPr/>
+      </p:sp>
+      <p:sp>
+        <p:nvSpPr>
+          <p:cNvPr id="3" name="Notes Placeholder 2"/>
+          <p:cNvSpPr>
+            <a:spLocks noGrp="1"/>
+          </p:cNvSpPr>
+          <p:nvPr>
+            <p:ph type="body" idx="1"/>
+          </p:nvPr>
+        </p:nvSpPr>
+        <p:spPr/>
+        <p:txBody>
+          <a:bodyPr/>
+          <a:lstStyle/>
+          <a:p>
+            <a:endParaRPr lang="en-US"/>
+          </a:p>
+        </p:txBody>
+      </p:sp>
+      <p:sp>
+        <p:nvSpPr>
+          <p:cNvPr id="4" name="Slide Number Placeholder 3"/>
+          <p:cNvSpPr>
+            <a:spLocks noGrp="1"/>
+          </p:cNvSpPr>
+          <p:nvPr>
+            <p:ph type="sldNum" sz="quarter" idx="5"/>
+          </p:nvPr>
+        </p:nvSpPr>
+        <p:spPr/>
+        <p:txBody>
+          <a:bodyPr/>
+          <a:lstStyle/>
+          <a:p>
+            <a:fld id="{B875CB45-0991-4D41-A750-45B3CF45590E}" type="slidenum">
+              <a:t>17</a:t>
+            </a:fld>
+            <a:endParaRPr lang="en-US"/>
+          </a:p>
+        </p:txBody>
+      </p:sp>
+    </p:spTree>
+    <p:extLst>
+      <p:ext uri="{BB962C8B-B14F-4D97-AF65-F5344CB8AC3E}">
+        <p14:creationId xmlns:p14="http://schemas.microsoft.com/office/powerpoint/2010/main" val="1626875417"/>
+      </p:ext>
+    </p:extLst>
+  </p:cSld>
+  <p:clrMapOvr>
+    <a:masterClrMapping/>
+  </p:clrMapOvr>
+</p:notes>
+</file>
+
+<file path=ppt/notesSlides/notesSlide7.xml><?xml version="1.0" encoding="utf-8"?>
+<p:notes xmlns:a="http://schemas.openxmlformats.org/drawingml/2006/main" xmlns:r="http://schemas.openxmlformats.org/officeDocument/2006/relationships" xmlns:p="http://schemas.openxmlformats.org/presentationml/2006/main">
+  <p:cSld>
+    <p:spTree>
+      <p:nvGrpSpPr>
+        <p:cNvPr id="1" name=""/>
+        <p:cNvGrpSpPr/>
+        <p:nvPr/>
+      </p:nvGrpSpPr>
+      <p:grpSpPr>
+        <a:xfrm>
+          <a:off x="0" y="0"/>
+          <a:ext cx="0" cy="0"/>
+          <a:chOff x="0" y="0"/>
+          <a:chExt cx="0" cy="0"/>
+        </a:xfrm>
+      </p:grpSpPr>
+      <p:sp>
+        <p:nvSpPr>
+          <p:cNvPr id="2" name="Slide Image Placeholder 1"/>
+          <p:cNvSpPr>
+            <a:spLocks noGrp="1" noRot="1" noChangeAspect="1"/>
+          </p:cNvSpPr>
+          <p:nvPr>
+            <p:ph type="sldImg"/>
+          </p:nvPr>
+        </p:nvSpPr>
+        <p:spPr/>
+      </p:sp>
+      <p:sp>
+        <p:nvSpPr>
+          <p:cNvPr id="3" name="Notes Placeholder 2"/>
+          <p:cNvSpPr>
+            <a:spLocks noGrp="1"/>
+          </p:cNvSpPr>
+          <p:nvPr>
+            <p:ph type="body" idx="1"/>
+          </p:nvPr>
+        </p:nvSpPr>
+        <p:spPr/>
+        <p:txBody>
+          <a:bodyPr/>
+          <a:lstStyle/>
+          <a:p>
+            <a:endParaRPr lang="en-US"/>
+          </a:p>
+        </p:txBody>
+      </p:sp>
+      <p:sp>
+        <p:nvSpPr>
+          <p:cNvPr id="4" name="Slide Number Placeholder 3"/>
+          <p:cNvSpPr>
+            <a:spLocks noGrp="1"/>
+          </p:cNvSpPr>
+          <p:nvPr>
+            <p:ph type="sldNum" sz="quarter" idx="5"/>
+          </p:nvPr>
+        </p:nvSpPr>
+        <p:spPr/>
+        <p:txBody>
+          <a:bodyPr/>
+          <a:lstStyle/>
+          <a:p>
+            <a:fld id="{B875CB45-0991-4D41-A750-45B3CF45590E}" type="slidenum">
+              <a:t>18</a:t>
+            </a:fld>
+            <a:endParaRPr lang="en-US"/>
+          </a:p>
+        </p:txBody>
+      </p:sp>
+    </p:spTree>
+    <p:extLst>
+      <p:ext uri="{BB962C8B-B14F-4D97-AF65-F5344CB8AC3E}">
+        <p14:creationId xmlns:p14="http://schemas.microsoft.com/office/powerpoint/2010/main" val="2547255857"/>
+      </p:ext>
+    </p:extLst>
+  </p:cSld>
+  <p:clrMapOvr>
+    <a:masterClrMapping/>
+  </p:clrMapOvr>
+</p:notes>
+</file>
+
+<file path=ppt/notesSlides/notesSlide8.xml><?xml version="1.0" encoding="utf-8"?>
+<p:notes xmlns:a="http://schemas.openxmlformats.org/drawingml/2006/main" xmlns:r="http://schemas.openxmlformats.org/officeDocument/2006/relationships" xmlns:p="http://schemas.openxmlformats.org/presentationml/2006/main">
+  <p:cSld>
+    <p:spTree>
+      <p:nvGrpSpPr>
+        <p:cNvPr id="1" name=""/>
+        <p:cNvGrpSpPr/>
+        <p:nvPr/>
+      </p:nvGrpSpPr>
+      <p:grpSpPr>
+        <a:xfrm>
+          <a:off x="0" y="0"/>
+          <a:ext cx="0" cy="0"/>
+          <a:chOff x="0" y="0"/>
+          <a:chExt cx="0" cy="0"/>
+        </a:xfrm>
+      </p:grpSpPr>
+      <p:sp>
+        <p:nvSpPr>
+          <p:cNvPr id="2" name="Slide Image Placeholder 1"/>
+          <p:cNvSpPr>
+            <a:spLocks noGrp="1" noRot="1" noChangeAspect="1"/>
+          </p:cNvSpPr>
+          <p:nvPr>
+            <p:ph type="sldImg"/>
+          </p:nvPr>
+        </p:nvSpPr>
+        <p:spPr/>
+      </p:sp>
+      <p:sp>
+        <p:nvSpPr>
+          <p:cNvPr id="3" name="Notes Placeholder 2"/>
+          <p:cNvSpPr>
+            <a:spLocks noGrp="1"/>
+          </p:cNvSpPr>
+          <p:nvPr>
+            <p:ph type="body" idx="1"/>
+          </p:nvPr>
+        </p:nvSpPr>
+        <p:spPr/>
+        <p:txBody>
+          <a:bodyPr/>
+          <a:lstStyle/>
+          <a:p>
+            <a:endParaRPr lang="en-US"/>
+          </a:p>
+        </p:txBody>
+      </p:sp>
+      <p:sp>
+        <p:nvSpPr>
+          <p:cNvPr id="4" name="Slide Number Placeholder 3"/>
+          <p:cNvSpPr>
+            <a:spLocks noGrp="1"/>
+          </p:cNvSpPr>
+          <p:nvPr>
+            <p:ph type="sldNum" sz="quarter" idx="5"/>
+          </p:nvPr>
+        </p:nvSpPr>
+        <p:spPr/>
+        <p:txBody>
+          <a:bodyPr/>
+          <a:lstStyle/>
+          <a:p>
+            <a:fld id="{B875CB45-0991-4D41-A750-45B3CF45590E}" type="slidenum">
+              <a:t>19</a:t>
+            </a:fld>
+            <a:endParaRPr lang="en-US"/>
+          </a:p>
+        </p:txBody>
+      </p:sp>
+    </p:spTree>
+    <p:extLst>
+      <p:ext uri="{BB962C8B-B14F-4D97-AF65-F5344CB8AC3E}">
+        <p14:creationId xmlns:p14="http://schemas.microsoft.com/office/powerpoint/2010/main" val="1164730395"/>
       </p:ext>
     </p:extLst>
   </p:cSld>
@@ -3917,7 +4505,7 @@
         <p:spPr>
           <a:xfrm>
             <a:off x="265471" y="1690688"/>
-            <a:ext cx="2910348" cy="4123052"/>
+            <a:ext cx="2910348" cy="3753720"/>
           </a:xfrm>
           <a:prstGeom prst="rect">
             <a:avLst/>
@@ -4097,26 +4685,6 @@
                 <a:latin typeface="Avenir Book" panose="02000503020000020003" pitchFamily="2" charset="0"/>
               </a:rPr>
               <a:t>Autoencoders</a:t>
-            </a:r>
-          </a:p>
-          <a:p>
-            <a:pPr marL="742950" lvl="1" indent="-285750">
-              <a:lnSpc>
-                <a:spcPct val="150000"/>
-              </a:lnSpc>
-              <a:buFont typeface="Courier New" panose="02070309020205020404" pitchFamily="49" charset="0"/>
-              <a:buChar char="o"/>
-            </a:pPr>
-            <a:r>
-              <a:rPr lang="en-US" sz="1600">
-                <a:solidFill>
-                  <a:schemeClr val="bg2">
-                    <a:lumMod val="75000"/>
-                  </a:schemeClr>
-                </a:solidFill>
-                <a:latin typeface="Avenir Book" panose="02000503020000020003" pitchFamily="2" charset="0"/>
-              </a:rPr>
-              <a:t>LDA</a:t>
             </a:r>
           </a:p>
           <a:p>
@@ -4468,7 +5036,7 @@
         <p:spPr>
           <a:xfrm>
             <a:off x="265471" y="1690688"/>
-            <a:ext cx="2910348" cy="4123052"/>
+            <a:ext cx="2910348" cy="3753720"/>
           </a:xfrm>
           <a:prstGeom prst="rect">
             <a:avLst/>
@@ -4648,26 +5216,6 @@
                 <a:latin typeface="Avenir Book" panose="02000503020000020003" pitchFamily="2" charset="0"/>
               </a:rPr>
               <a:t>Autoencoders</a:t>
-            </a:r>
-          </a:p>
-          <a:p>
-            <a:pPr marL="742950" lvl="1" indent="-285750">
-              <a:lnSpc>
-                <a:spcPct val="150000"/>
-              </a:lnSpc>
-              <a:buFont typeface="Courier New" panose="02070309020205020404" pitchFamily="49" charset="0"/>
-              <a:buChar char="o"/>
-            </a:pPr>
-            <a:r>
-              <a:rPr lang="en-US" sz="1600">
-                <a:solidFill>
-                  <a:schemeClr val="bg2">
-                    <a:lumMod val="75000"/>
-                  </a:schemeClr>
-                </a:solidFill>
-                <a:latin typeface="Avenir Book" panose="02000503020000020003" pitchFamily="2" charset="0"/>
-              </a:rPr>
-              <a:t>LDA</a:t>
             </a:r>
           </a:p>
           <a:p>
@@ -6533,6 +7081,930 @@
         <p:spPr>
           <a:xfrm>
             <a:off x="265471" y="1690688"/>
+            <a:ext cx="2910348" cy="3753720"/>
+          </a:xfrm>
+          <a:prstGeom prst="rect">
+            <a:avLst/>
+          </a:prstGeom>
+          <a:noFill/>
+        </p:spPr>
+        <p:txBody>
+          <a:bodyPr wrap="square" rtlCol="0">
+            <a:spAutoFit/>
+          </a:bodyPr>
+          <a:lstStyle/>
+          <a:p>
+            <a:pPr marL="285750" indent="-285750">
+              <a:lnSpc>
+                <a:spcPct val="150000"/>
+              </a:lnSpc>
+              <a:buFont typeface="Arial" panose="020B0604020202020204" pitchFamily="34" charset="0"/>
+              <a:buChar char="•"/>
+            </a:pPr>
+            <a:r>
+              <a:rPr lang="en-US" sz="1600" b="1">
+                <a:solidFill>
+                  <a:schemeClr val="bg2">
+                    <a:lumMod val="75000"/>
+                  </a:schemeClr>
+                </a:solidFill>
+                <a:latin typeface="Avenir Book" panose="02000503020000020003" pitchFamily="2" charset="0"/>
+              </a:rPr>
+              <a:t>Filter Methods</a:t>
+            </a:r>
+          </a:p>
+          <a:p>
+            <a:pPr marL="742950" lvl="1" indent="-285750">
+              <a:lnSpc>
+                <a:spcPct val="150000"/>
+              </a:lnSpc>
+              <a:buFont typeface="Courier New" panose="02070309020205020404" pitchFamily="49" charset="0"/>
+              <a:buChar char="o"/>
+            </a:pPr>
+            <a:r>
+              <a:rPr lang="en-US" sz="1600">
+                <a:solidFill>
+                  <a:schemeClr val="bg2">
+                    <a:lumMod val="75000"/>
+                  </a:schemeClr>
+                </a:solidFill>
+                <a:latin typeface="Avenir Book" panose="02000503020000020003" pitchFamily="2" charset="0"/>
+              </a:rPr>
+              <a:t>F-Score</a:t>
+            </a:r>
+          </a:p>
+          <a:p>
+            <a:pPr marL="742950" lvl="1" indent="-285750">
+              <a:lnSpc>
+                <a:spcPct val="150000"/>
+              </a:lnSpc>
+              <a:buFont typeface="Courier New" panose="02070309020205020404" pitchFamily="49" charset="0"/>
+              <a:buChar char="o"/>
+            </a:pPr>
+            <a:r>
+              <a:rPr lang="en-US" sz="1600">
+                <a:solidFill>
+                  <a:schemeClr val="bg2">
+                    <a:lumMod val="75000"/>
+                  </a:schemeClr>
+                </a:solidFill>
+                <a:latin typeface="Avenir Book" panose="02000503020000020003" pitchFamily="2" charset="0"/>
+              </a:rPr>
+              <a:t>Rough Set Theory</a:t>
+            </a:r>
+          </a:p>
+          <a:p>
+            <a:pPr marL="285750" indent="-285750">
+              <a:lnSpc>
+                <a:spcPct val="150000"/>
+              </a:lnSpc>
+              <a:buFont typeface="Arial" panose="020B0604020202020204" pitchFamily="34" charset="0"/>
+              <a:buChar char="•"/>
+            </a:pPr>
+            <a:r>
+              <a:rPr lang="en-US" sz="1600" b="1">
+                <a:solidFill>
+                  <a:schemeClr val="bg2">
+                    <a:lumMod val="75000"/>
+                  </a:schemeClr>
+                </a:solidFill>
+                <a:latin typeface="Avenir Book" panose="02000503020000020003" pitchFamily="2" charset="0"/>
+              </a:rPr>
+              <a:t>Wrapper Methods</a:t>
+            </a:r>
+          </a:p>
+          <a:p>
+            <a:pPr marL="742950" lvl="1" indent="-285750">
+              <a:lnSpc>
+                <a:spcPct val="150000"/>
+              </a:lnSpc>
+              <a:buFont typeface="Courier New" panose="02070309020205020404" pitchFamily="49" charset="0"/>
+              <a:buChar char="o"/>
+            </a:pPr>
+            <a:r>
+              <a:rPr lang="en-US" sz="1600">
+                <a:solidFill>
+                  <a:schemeClr val="bg2">
+                    <a:lumMod val="75000"/>
+                  </a:schemeClr>
+                </a:solidFill>
+                <a:latin typeface="Avenir Book" panose="02000503020000020003" pitchFamily="2" charset="0"/>
+              </a:rPr>
+              <a:t>Stepwise Selection</a:t>
+            </a:r>
+          </a:p>
+          <a:p>
+            <a:pPr marL="742950" lvl="1" indent="-285750">
+              <a:lnSpc>
+                <a:spcPct val="150000"/>
+              </a:lnSpc>
+              <a:buFont typeface="Courier New" panose="02070309020205020404" pitchFamily="49" charset="0"/>
+              <a:buChar char="o"/>
+            </a:pPr>
+            <a:r>
+              <a:rPr lang="en-US" sz="1600">
+                <a:solidFill>
+                  <a:schemeClr val="bg2">
+                    <a:lumMod val="75000"/>
+                  </a:schemeClr>
+                </a:solidFill>
+                <a:latin typeface="Avenir Book" panose="02000503020000020003" pitchFamily="2" charset="0"/>
+              </a:rPr>
+              <a:t>Genetic Algorithm</a:t>
+            </a:r>
+          </a:p>
+          <a:p>
+            <a:pPr marL="285750" indent="-285750">
+              <a:lnSpc>
+                <a:spcPct val="150000"/>
+              </a:lnSpc>
+              <a:buFont typeface="Arial" panose="020B0604020202020204" pitchFamily="34" charset="0"/>
+              <a:buChar char="•"/>
+            </a:pPr>
+            <a:r>
+              <a:rPr lang="en-US" sz="1600" b="1">
+                <a:latin typeface="Avenir Book" panose="02000503020000020003" pitchFamily="2" charset="0"/>
+              </a:rPr>
+              <a:t>Feature Engineering</a:t>
+            </a:r>
+          </a:p>
+          <a:p>
+            <a:pPr marL="742950" lvl="1" indent="-285750">
+              <a:lnSpc>
+                <a:spcPct val="150000"/>
+              </a:lnSpc>
+              <a:buFont typeface="Courier New" panose="02070309020205020404" pitchFamily="49" charset="0"/>
+              <a:buChar char="o"/>
+            </a:pPr>
+            <a:r>
+              <a:rPr lang="en-US" sz="1600">
+                <a:latin typeface="Avenir Book" panose="02000503020000020003" pitchFamily="2" charset="0"/>
+              </a:rPr>
+              <a:t>PCA</a:t>
+            </a:r>
+          </a:p>
+          <a:p>
+            <a:pPr marL="742950" lvl="1" indent="-285750">
+              <a:lnSpc>
+                <a:spcPct val="150000"/>
+              </a:lnSpc>
+              <a:buFont typeface="Courier New" panose="02070309020205020404" pitchFamily="49" charset="0"/>
+              <a:buChar char="o"/>
+            </a:pPr>
+            <a:r>
+              <a:rPr lang="en-US" sz="1600">
+                <a:solidFill>
+                  <a:schemeClr val="bg2">
+                    <a:lumMod val="75000"/>
+                  </a:schemeClr>
+                </a:solidFill>
+                <a:latin typeface="Avenir Book" panose="02000503020000020003" pitchFamily="2" charset="0"/>
+              </a:rPr>
+              <a:t>Autoencoders</a:t>
+            </a:r>
+          </a:p>
+          <a:p>
+            <a:pPr marL="285750" indent="-285750">
+              <a:lnSpc>
+                <a:spcPct val="150000"/>
+              </a:lnSpc>
+              <a:buFont typeface="Arial" panose="020B0604020202020204" pitchFamily="34" charset="0"/>
+              <a:buChar char="•"/>
+            </a:pPr>
+            <a:endParaRPr lang="en-US" sz="1600">
+              <a:latin typeface="Avenir Book" panose="02000503020000020003" pitchFamily="2" charset="0"/>
+            </a:endParaRPr>
+          </a:p>
+        </p:txBody>
+      </p:sp>
+      <p:pic>
+        <p:nvPicPr>
+          <p:cNvPr id="6" name="Picture 5">
+            <a:extLst>
+              <a:ext uri="{FF2B5EF4-FFF2-40B4-BE49-F238E27FC236}">
+                <a16:creationId xmlns:a16="http://schemas.microsoft.com/office/drawing/2014/main" id="{DF52D416-8A95-C44C-8583-85EBA30B05BE}"/>
+              </a:ext>
+            </a:extLst>
+          </p:cNvPr>
+          <p:cNvPicPr>
+            <a:picLocks noChangeAspect="1"/>
+          </p:cNvPicPr>
+          <p:nvPr/>
+        </p:nvPicPr>
+        <p:blipFill>
+          <a:blip r:embed="rId3"/>
+          <a:stretch>
+            <a:fillRect/>
+          </a:stretch>
+        </p:blipFill>
+        <p:spPr>
+          <a:xfrm>
+            <a:off x="3124827" y="1592877"/>
+            <a:ext cx="4155741" cy="2233971"/>
+          </a:xfrm>
+          <a:prstGeom prst="rect">
+            <a:avLst/>
+          </a:prstGeom>
+        </p:spPr>
+      </p:pic>
+      <p:pic>
+        <p:nvPicPr>
+          <p:cNvPr id="10" name="Picture 9">
+            <a:extLst>
+              <a:ext uri="{FF2B5EF4-FFF2-40B4-BE49-F238E27FC236}">
+                <a16:creationId xmlns:a16="http://schemas.microsoft.com/office/drawing/2014/main" id="{F0C27A9A-59C9-604C-953C-3360069A6652}"/>
+              </a:ext>
+            </a:extLst>
+          </p:cNvPr>
+          <p:cNvPicPr>
+            <a:picLocks noChangeAspect="1"/>
+          </p:cNvPicPr>
+          <p:nvPr/>
+        </p:nvPicPr>
+        <p:blipFill>
+          <a:blip r:embed="rId4"/>
+          <a:stretch>
+            <a:fillRect/>
+          </a:stretch>
+        </p:blipFill>
+        <p:spPr>
+          <a:xfrm>
+            <a:off x="7491961" y="1595712"/>
+            <a:ext cx="4150467" cy="2231136"/>
+          </a:xfrm>
+          <a:prstGeom prst="rect">
+            <a:avLst/>
+          </a:prstGeom>
+        </p:spPr>
+      </p:pic>
+      <p:pic>
+        <p:nvPicPr>
+          <p:cNvPr id="14" name="Picture 13">
+            <a:extLst>
+              <a:ext uri="{FF2B5EF4-FFF2-40B4-BE49-F238E27FC236}">
+                <a16:creationId xmlns:a16="http://schemas.microsoft.com/office/drawing/2014/main" id="{DE2F49F8-5759-C244-8CA7-5B9E0909F83E}"/>
+              </a:ext>
+            </a:extLst>
+          </p:cNvPr>
+          <p:cNvPicPr>
+            <a:picLocks noChangeAspect="1"/>
+          </p:cNvPicPr>
+          <p:nvPr/>
+        </p:nvPicPr>
+        <p:blipFill>
+          <a:blip r:embed="rId5"/>
+          <a:stretch>
+            <a:fillRect/>
+          </a:stretch>
+        </p:blipFill>
+        <p:spPr>
+          <a:xfrm>
+            <a:off x="3025890" y="4036843"/>
+            <a:ext cx="4353613" cy="2231136"/>
+          </a:xfrm>
+          <a:prstGeom prst="rect">
+            <a:avLst/>
+          </a:prstGeom>
+        </p:spPr>
+      </p:pic>
+      <p:pic>
+        <p:nvPicPr>
+          <p:cNvPr id="28" name="Picture 27">
+            <a:extLst>
+              <a:ext uri="{FF2B5EF4-FFF2-40B4-BE49-F238E27FC236}">
+                <a16:creationId xmlns:a16="http://schemas.microsoft.com/office/drawing/2014/main" id="{DA2C8A24-8EBD-E24E-9E72-CB7B3FC4EFEE}"/>
+              </a:ext>
+            </a:extLst>
+          </p:cNvPr>
+          <p:cNvPicPr>
+            <a:picLocks noChangeAspect="1"/>
+          </p:cNvPicPr>
+          <p:nvPr/>
+        </p:nvPicPr>
+        <p:blipFill>
+          <a:blip r:embed="rId6"/>
+          <a:stretch>
+            <a:fillRect/>
+          </a:stretch>
+        </p:blipFill>
+        <p:spPr>
+          <a:xfrm>
+            <a:off x="7565703" y="1563431"/>
+            <a:ext cx="2286627" cy="497769"/>
+          </a:xfrm>
+          <a:prstGeom prst="rect">
+            <a:avLst/>
+          </a:prstGeom>
+        </p:spPr>
+      </p:pic>
+      <p:pic>
+        <p:nvPicPr>
+          <p:cNvPr id="30" name="Picture 29">
+            <a:extLst>
+              <a:ext uri="{FF2B5EF4-FFF2-40B4-BE49-F238E27FC236}">
+                <a16:creationId xmlns:a16="http://schemas.microsoft.com/office/drawing/2014/main" id="{82126B56-8C79-4143-B603-FAE6758D79D1}"/>
+              </a:ext>
+            </a:extLst>
+          </p:cNvPr>
+          <p:cNvPicPr>
+            <a:picLocks noChangeAspect="1"/>
+          </p:cNvPicPr>
+          <p:nvPr/>
+        </p:nvPicPr>
+        <p:blipFill>
+          <a:blip r:embed="rId7"/>
+          <a:stretch>
+            <a:fillRect/>
+          </a:stretch>
+        </p:blipFill>
+        <p:spPr>
+          <a:xfrm>
+            <a:off x="3119678" y="3885785"/>
+            <a:ext cx="2406051" cy="425560"/>
+          </a:xfrm>
+          <a:prstGeom prst="rect">
+            <a:avLst/>
+          </a:prstGeom>
+        </p:spPr>
+      </p:pic>
+      <p:pic>
+        <p:nvPicPr>
+          <p:cNvPr id="32" name="Picture 31">
+            <a:extLst>
+              <a:ext uri="{FF2B5EF4-FFF2-40B4-BE49-F238E27FC236}">
+                <a16:creationId xmlns:a16="http://schemas.microsoft.com/office/drawing/2014/main" id="{69BD344C-A91E-6C42-A78A-54CBA5E002CC}"/>
+              </a:ext>
+            </a:extLst>
+          </p:cNvPr>
+          <p:cNvPicPr>
+            <a:picLocks noChangeAspect="1"/>
+          </p:cNvPicPr>
+          <p:nvPr/>
+        </p:nvPicPr>
+        <p:blipFill>
+          <a:blip r:embed="rId8"/>
+          <a:stretch>
+            <a:fillRect/>
+          </a:stretch>
+        </p:blipFill>
+        <p:spPr>
+          <a:xfrm>
+            <a:off x="8583562" y="4098565"/>
+            <a:ext cx="1828800" cy="749300"/>
+          </a:xfrm>
+          <a:prstGeom prst="rect">
+            <a:avLst/>
+          </a:prstGeom>
+        </p:spPr>
+      </p:pic>
+      <p:pic>
+        <p:nvPicPr>
+          <p:cNvPr id="34" name="Picture 33">
+            <a:extLst>
+              <a:ext uri="{FF2B5EF4-FFF2-40B4-BE49-F238E27FC236}">
+                <a16:creationId xmlns:a16="http://schemas.microsoft.com/office/drawing/2014/main" id="{2FED46DB-C7A3-BF49-ACA1-3D90C884810C}"/>
+              </a:ext>
+            </a:extLst>
+          </p:cNvPr>
+          <p:cNvPicPr>
+            <a:picLocks noChangeAspect="1"/>
+          </p:cNvPicPr>
+          <p:nvPr/>
+        </p:nvPicPr>
+        <p:blipFill>
+          <a:blip r:embed="rId9"/>
+          <a:stretch>
+            <a:fillRect/>
+          </a:stretch>
+        </p:blipFill>
+        <p:spPr>
+          <a:xfrm>
+            <a:off x="8577212" y="4830894"/>
+            <a:ext cx="1841500" cy="469900"/>
+          </a:xfrm>
+          <a:prstGeom prst="rect">
+            <a:avLst/>
+          </a:prstGeom>
+        </p:spPr>
+      </p:pic>
+      <p:pic>
+        <p:nvPicPr>
+          <p:cNvPr id="36" name="Picture 35">
+            <a:extLst>
+              <a:ext uri="{FF2B5EF4-FFF2-40B4-BE49-F238E27FC236}">
+                <a16:creationId xmlns:a16="http://schemas.microsoft.com/office/drawing/2014/main" id="{BCE62CAD-2E69-174F-A495-CE32527CD111}"/>
+              </a:ext>
+            </a:extLst>
+          </p:cNvPr>
+          <p:cNvPicPr>
+            <a:picLocks noChangeAspect="1"/>
+          </p:cNvPicPr>
+          <p:nvPr/>
+        </p:nvPicPr>
+        <p:blipFill>
+          <a:blip r:embed="rId10"/>
+          <a:stretch>
+            <a:fillRect/>
+          </a:stretch>
+        </p:blipFill>
+        <p:spPr>
+          <a:xfrm>
+            <a:off x="8540640" y="5294569"/>
+            <a:ext cx="876300" cy="711200"/>
+          </a:xfrm>
+          <a:prstGeom prst="rect">
+            <a:avLst/>
+          </a:prstGeom>
+        </p:spPr>
+      </p:pic>
+      <p:pic>
+        <p:nvPicPr>
+          <p:cNvPr id="38" name="Picture 37">
+            <a:extLst>
+              <a:ext uri="{FF2B5EF4-FFF2-40B4-BE49-F238E27FC236}">
+                <a16:creationId xmlns:a16="http://schemas.microsoft.com/office/drawing/2014/main" id="{E7F3F692-7670-B744-B695-1DF8F97B3337}"/>
+              </a:ext>
+            </a:extLst>
+          </p:cNvPr>
+          <p:cNvPicPr>
+            <a:picLocks noChangeAspect="1"/>
+          </p:cNvPicPr>
+          <p:nvPr/>
+        </p:nvPicPr>
+        <p:blipFill>
+          <a:blip r:embed="rId11"/>
+          <a:stretch>
+            <a:fillRect/>
+          </a:stretch>
+        </p:blipFill>
+        <p:spPr>
+          <a:xfrm>
+            <a:off x="8577212" y="6099491"/>
+            <a:ext cx="2540000" cy="482600"/>
+          </a:xfrm>
+          <a:prstGeom prst="rect">
+            <a:avLst/>
+          </a:prstGeom>
+        </p:spPr>
+      </p:pic>
+      <p:pic>
+        <p:nvPicPr>
+          <p:cNvPr id="40" name="Picture 39">
+            <a:extLst>
+              <a:ext uri="{FF2B5EF4-FFF2-40B4-BE49-F238E27FC236}">
+                <a16:creationId xmlns:a16="http://schemas.microsoft.com/office/drawing/2014/main" id="{427C43AC-DD57-0C44-A9B5-D61EA1BF5293}"/>
+              </a:ext>
+            </a:extLst>
+          </p:cNvPr>
+          <p:cNvPicPr>
+            <a:picLocks noChangeAspect="1"/>
+          </p:cNvPicPr>
+          <p:nvPr/>
+        </p:nvPicPr>
+        <p:blipFill>
+          <a:blip r:embed="rId12"/>
+          <a:stretch>
+            <a:fillRect/>
+          </a:stretch>
+        </p:blipFill>
+        <p:spPr>
+          <a:xfrm>
+            <a:off x="3320858" y="1415433"/>
+            <a:ext cx="2204871" cy="921022"/>
+          </a:xfrm>
+          <a:prstGeom prst="rect">
+            <a:avLst/>
+          </a:prstGeom>
+        </p:spPr>
+      </p:pic>
+    </p:spTree>
+    <p:extLst>
+      <p:ext uri="{BB962C8B-B14F-4D97-AF65-F5344CB8AC3E}">
+        <p14:creationId xmlns:p14="http://schemas.microsoft.com/office/powerpoint/2010/main" val="1361333174"/>
+      </p:ext>
+    </p:extLst>
+  </p:cSld>
+  <p:clrMapOvr>
+    <a:masterClrMapping/>
+  </p:clrMapOvr>
+</p:sld>
+</file>
+
+<file path=ppt/slides/slide13.xml><?xml version="1.0" encoding="utf-8"?>
+<p:sld xmlns:a="http://schemas.openxmlformats.org/drawingml/2006/main" xmlns:r="http://schemas.openxmlformats.org/officeDocument/2006/relationships" xmlns:p="http://schemas.openxmlformats.org/presentationml/2006/main">
+  <p:cSld>
+    <p:spTree>
+      <p:nvGrpSpPr>
+        <p:cNvPr id="1" name=""/>
+        <p:cNvGrpSpPr/>
+        <p:nvPr/>
+      </p:nvGrpSpPr>
+      <p:grpSpPr>
+        <a:xfrm>
+          <a:off x="0" y="0"/>
+          <a:ext cx="0" cy="0"/>
+          <a:chOff x="0" y="0"/>
+          <a:chExt cx="0" cy="0"/>
+        </a:xfrm>
+      </p:grpSpPr>
+      <p:sp>
+        <p:nvSpPr>
+          <p:cNvPr id="4" name="Title 1">
+            <a:extLst>
+              <a:ext uri="{FF2B5EF4-FFF2-40B4-BE49-F238E27FC236}">
+                <a16:creationId xmlns:a16="http://schemas.microsoft.com/office/drawing/2014/main" id="{E5B55D2A-BB9B-4447-8755-EA7177571C9A}"/>
+              </a:ext>
+            </a:extLst>
+          </p:cNvPr>
+          <p:cNvSpPr>
+            <a:spLocks noGrp="1"/>
+          </p:cNvSpPr>
+          <p:nvPr>
+            <p:ph type="title"/>
+          </p:nvPr>
+        </p:nvSpPr>
+        <p:spPr>
+          <a:xfrm>
+            <a:off x="838200" y="365125"/>
+            <a:ext cx="10515600" cy="1325563"/>
+          </a:xfrm>
+        </p:spPr>
+        <p:txBody>
+          <a:bodyPr>
+            <a:normAutofit/>
+          </a:bodyPr>
+          <a:lstStyle/>
+          <a:p>
+            <a:r>
+              <a:rPr lang="en-US" sz="3600" b="1">
+                <a:latin typeface="Avenir Book" panose="02000503020000020003" pitchFamily="2" charset="0"/>
+              </a:rPr>
+              <a:t>Training Examples </a:t>
+            </a:r>
+            <a:r>
+              <a:rPr lang="en-US" sz="2000" b="1" baseline="-25000">
+                <a:latin typeface="Avenir Book" panose="02000503020000020003" pitchFamily="2" charset="0"/>
+              </a:rPr>
+              <a:t>(Feature Selection &amp; Engineering)</a:t>
+            </a:r>
+            <a:endParaRPr lang="en-US" sz="3600" baseline="-25000"/>
+          </a:p>
+        </p:txBody>
+      </p:sp>
+      <p:sp>
+        <p:nvSpPr>
+          <p:cNvPr id="5" name="TextBox 4">
+            <a:extLst>
+              <a:ext uri="{FF2B5EF4-FFF2-40B4-BE49-F238E27FC236}">
+                <a16:creationId xmlns:a16="http://schemas.microsoft.com/office/drawing/2014/main" id="{0FC2D90F-E0BE-B841-B6B2-0EBCEDB279B6}"/>
+              </a:ext>
+            </a:extLst>
+          </p:cNvPr>
+          <p:cNvSpPr txBox="1"/>
+          <p:nvPr/>
+        </p:nvSpPr>
+        <p:spPr>
+          <a:xfrm>
+            <a:off x="265471" y="1690688"/>
+            <a:ext cx="2910348" cy="3753720"/>
+          </a:xfrm>
+          <a:prstGeom prst="rect">
+            <a:avLst/>
+          </a:prstGeom>
+          <a:noFill/>
+        </p:spPr>
+        <p:txBody>
+          <a:bodyPr wrap="square" rtlCol="0">
+            <a:spAutoFit/>
+          </a:bodyPr>
+          <a:lstStyle/>
+          <a:p>
+            <a:pPr marL="285750" indent="-285750">
+              <a:lnSpc>
+                <a:spcPct val="150000"/>
+              </a:lnSpc>
+              <a:buFont typeface="Arial" panose="020B0604020202020204" pitchFamily="34" charset="0"/>
+              <a:buChar char="•"/>
+            </a:pPr>
+            <a:r>
+              <a:rPr lang="en-US" sz="1600" b="1">
+                <a:solidFill>
+                  <a:schemeClr val="bg2">
+                    <a:lumMod val="75000"/>
+                  </a:schemeClr>
+                </a:solidFill>
+                <a:latin typeface="Avenir Book" panose="02000503020000020003" pitchFamily="2" charset="0"/>
+              </a:rPr>
+              <a:t>Filter Methods</a:t>
+            </a:r>
+          </a:p>
+          <a:p>
+            <a:pPr marL="742950" lvl="1" indent="-285750">
+              <a:lnSpc>
+                <a:spcPct val="150000"/>
+              </a:lnSpc>
+              <a:buFont typeface="Courier New" panose="02070309020205020404" pitchFamily="49" charset="0"/>
+              <a:buChar char="o"/>
+            </a:pPr>
+            <a:r>
+              <a:rPr lang="en-US" sz="1600">
+                <a:solidFill>
+                  <a:schemeClr val="bg2">
+                    <a:lumMod val="75000"/>
+                  </a:schemeClr>
+                </a:solidFill>
+                <a:latin typeface="Avenir Book" panose="02000503020000020003" pitchFamily="2" charset="0"/>
+              </a:rPr>
+              <a:t>F-Score</a:t>
+            </a:r>
+          </a:p>
+          <a:p>
+            <a:pPr marL="742950" lvl="1" indent="-285750">
+              <a:lnSpc>
+                <a:spcPct val="150000"/>
+              </a:lnSpc>
+              <a:buFont typeface="Courier New" panose="02070309020205020404" pitchFamily="49" charset="0"/>
+              <a:buChar char="o"/>
+            </a:pPr>
+            <a:r>
+              <a:rPr lang="en-US" sz="1600">
+                <a:solidFill>
+                  <a:schemeClr val="bg2">
+                    <a:lumMod val="75000"/>
+                  </a:schemeClr>
+                </a:solidFill>
+                <a:latin typeface="Avenir Book" panose="02000503020000020003" pitchFamily="2" charset="0"/>
+              </a:rPr>
+              <a:t>Rough Set Theory</a:t>
+            </a:r>
+          </a:p>
+          <a:p>
+            <a:pPr marL="285750" indent="-285750">
+              <a:lnSpc>
+                <a:spcPct val="150000"/>
+              </a:lnSpc>
+              <a:buFont typeface="Arial" panose="020B0604020202020204" pitchFamily="34" charset="0"/>
+              <a:buChar char="•"/>
+            </a:pPr>
+            <a:r>
+              <a:rPr lang="en-US" sz="1600" b="1">
+                <a:solidFill>
+                  <a:schemeClr val="bg2">
+                    <a:lumMod val="75000"/>
+                  </a:schemeClr>
+                </a:solidFill>
+                <a:latin typeface="Avenir Book" panose="02000503020000020003" pitchFamily="2" charset="0"/>
+              </a:rPr>
+              <a:t>Wrapper Methods</a:t>
+            </a:r>
+          </a:p>
+          <a:p>
+            <a:pPr marL="742950" lvl="1" indent="-285750">
+              <a:lnSpc>
+                <a:spcPct val="150000"/>
+              </a:lnSpc>
+              <a:buFont typeface="Courier New" panose="02070309020205020404" pitchFamily="49" charset="0"/>
+              <a:buChar char="o"/>
+            </a:pPr>
+            <a:r>
+              <a:rPr lang="en-US" sz="1600">
+                <a:solidFill>
+                  <a:schemeClr val="bg2">
+                    <a:lumMod val="75000"/>
+                  </a:schemeClr>
+                </a:solidFill>
+                <a:latin typeface="Avenir Book" panose="02000503020000020003" pitchFamily="2" charset="0"/>
+              </a:rPr>
+              <a:t>Stepwise Selection</a:t>
+            </a:r>
+          </a:p>
+          <a:p>
+            <a:pPr marL="742950" lvl="1" indent="-285750">
+              <a:lnSpc>
+                <a:spcPct val="150000"/>
+              </a:lnSpc>
+              <a:buFont typeface="Courier New" panose="02070309020205020404" pitchFamily="49" charset="0"/>
+              <a:buChar char="o"/>
+            </a:pPr>
+            <a:r>
+              <a:rPr lang="en-US" sz="1600">
+                <a:solidFill>
+                  <a:schemeClr val="bg2">
+                    <a:lumMod val="75000"/>
+                  </a:schemeClr>
+                </a:solidFill>
+                <a:latin typeface="Avenir Book" panose="02000503020000020003" pitchFamily="2" charset="0"/>
+              </a:rPr>
+              <a:t>Genetic Algorithm</a:t>
+            </a:r>
+          </a:p>
+          <a:p>
+            <a:pPr marL="285750" indent="-285750">
+              <a:lnSpc>
+                <a:spcPct val="150000"/>
+              </a:lnSpc>
+              <a:buFont typeface="Arial" panose="020B0604020202020204" pitchFamily="34" charset="0"/>
+              <a:buChar char="•"/>
+            </a:pPr>
+            <a:r>
+              <a:rPr lang="en-US" sz="1600" b="1">
+                <a:latin typeface="Avenir Book" panose="02000503020000020003" pitchFamily="2" charset="0"/>
+              </a:rPr>
+              <a:t>Feature Engineering</a:t>
+            </a:r>
+          </a:p>
+          <a:p>
+            <a:pPr marL="742950" lvl="1" indent="-285750">
+              <a:lnSpc>
+                <a:spcPct val="150000"/>
+              </a:lnSpc>
+              <a:buFont typeface="Courier New" panose="02070309020205020404" pitchFamily="49" charset="0"/>
+              <a:buChar char="o"/>
+            </a:pPr>
+            <a:r>
+              <a:rPr lang="en-US" sz="1600">
+                <a:solidFill>
+                  <a:schemeClr val="bg2">
+                    <a:lumMod val="75000"/>
+                  </a:schemeClr>
+                </a:solidFill>
+                <a:latin typeface="Avenir Book" panose="02000503020000020003" pitchFamily="2" charset="0"/>
+              </a:rPr>
+              <a:t>PCA</a:t>
+            </a:r>
+          </a:p>
+          <a:p>
+            <a:pPr marL="742950" lvl="1" indent="-285750">
+              <a:lnSpc>
+                <a:spcPct val="150000"/>
+              </a:lnSpc>
+              <a:buFont typeface="Courier New" panose="02070309020205020404" pitchFamily="49" charset="0"/>
+              <a:buChar char="o"/>
+            </a:pPr>
+            <a:r>
+              <a:rPr lang="en-US" sz="1600">
+                <a:latin typeface="Avenir Book" panose="02000503020000020003" pitchFamily="2" charset="0"/>
+              </a:rPr>
+              <a:t>Autoencoders</a:t>
+            </a:r>
+          </a:p>
+          <a:p>
+            <a:pPr marL="285750" indent="-285750">
+              <a:lnSpc>
+                <a:spcPct val="150000"/>
+              </a:lnSpc>
+              <a:buFont typeface="Arial" panose="020B0604020202020204" pitchFamily="34" charset="0"/>
+              <a:buChar char="•"/>
+            </a:pPr>
+            <a:endParaRPr lang="en-US" sz="1600">
+              <a:latin typeface="Avenir Book" panose="02000503020000020003" pitchFamily="2" charset="0"/>
+            </a:endParaRPr>
+          </a:p>
+        </p:txBody>
+      </p:sp>
+      <p:pic>
+        <p:nvPicPr>
+          <p:cNvPr id="3" name="Picture 2">
+            <a:extLst>
+              <a:ext uri="{FF2B5EF4-FFF2-40B4-BE49-F238E27FC236}">
+                <a16:creationId xmlns:a16="http://schemas.microsoft.com/office/drawing/2014/main" id="{0966E4F2-16B4-C941-AB57-7136335621E3}"/>
+              </a:ext>
+            </a:extLst>
+          </p:cNvPr>
+          <p:cNvPicPr>
+            <a:picLocks noChangeAspect="1"/>
+          </p:cNvPicPr>
+          <p:nvPr/>
+        </p:nvPicPr>
+        <p:blipFill>
+          <a:blip r:embed="rId3"/>
+          <a:stretch>
+            <a:fillRect/>
+          </a:stretch>
+        </p:blipFill>
+        <p:spPr>
+          <a:xfrm>
+            <a:off x="3748548" y="1648901"/>
+            <a:ext cx="5753100" cy="3873500"/>
+          </a:xfrm>
+          <a:prstGeom prst="rect">
+            <a:avLst/>
+          </a:prstGeom>
+        </p:spPr>
+      </p:pic>
+      <p:pic>
+        <p:nvPicPr>
+          <p:cNvPr id="8" name="Picture 7">
+            <a:extLst>
+              <a:ext uri="{FF2B5EF4-FFF2-40B4-BE49-F238E27FC236}">
+                <a16:creationId xmlns:a16="http://schemas.microsoft.com/office/drawing/2014/main" id="{58BC40F2-C34B-7D4B-A753-67AAE462E44E}"/>
+              </a:ext>
+            </a:extLst>
+          </p:cNvPr>
+          <p:cNvPicPr>
+            <a:picLocks noChangeAspect="1"/>
+          </p:cNvPicPr>
+          <p:nvPr/>
+        </p:nvPicPr>
+        <p:blipFill>
+          <a:blip r:embed="rId4"/>
+          <a:stretch>
+            <a:fillRect/>
+          </a:stretch>
+        </p:blipFill>
+        <p:spPr>
+          <a:xfrm>
+            <a:off x="5056648" y="5727752"/>
+            <a:ext cx="3136900" cy="762000"/>
+          </a:xfrm>
+          <a:prstGeom prst="rect">
+            <a:avLst/>
+          </a:prstGeom>
+        </p:spPr>
+      </p:pic>
+    </p:spTree>
+    <p:extLst>
+      <p:ext uri="{BB962C8B-B14F-4D97-AF65-F5344CB8AC3E}">
+        <p14:creationId xmlns:p14="http://schemas.microsoft.com/office/powerpoint/2010/main" val="1834977650"/>
+      </p:ext>
+    </p:extLst>
+  </p:cSld>
+  <p:clrMapOvr>
+    <a:masterClrMapping/>
+  </p:clrMapOvr>
+</p:sld>
+</file>
+
+<file path=ppt/slides/slide14.xml><?xml version="1.0" encoding="utf-8"?>
+<p:sld xmlns:a="http://schemas.openxmlformats.org/drawingml/2006/main" xmlns:r="http://schemas.openxmlformats.org/officeDocument/2006/relationships" xmlns:p="http://schemas.openxmlformats.org/presentationml/2006/main">
+  <p:cSld>
+    <p:spTree>
+      <p:nvGrpSpPr>
+        <p:cNvPr id="1" name=""/>
+        <p:cNvGrpSpPr/>
+        <p:nvPr/>
+      </p:nvGrpSpPr>
+      <p:grpSpPr>
+        <a:xfrm>
+          <a:off x="0" y="0"/>
+          <a:ext cx="0" cy="0"/>
+          <a:chOff x="0" y="0"/>
+          <a:chExt cx="0" cy="0"/>
+        </a:xfrm>
+      </p:grpSpPr>
+      <p:sp>
+        <p:nvSpPr>
+          <p:cNvPr id="4" name="Title 1">
+            <a:extLst>
+              <a:ext uri="{FF2B5EF4-FFF2-40B4-BE49-F238E27FC236}">
+                <a16:creationId xmlns:a16="http://schemas.microsoft.com/office/drawing/2014/main" id="{E5B55D2A-BB9B-4447-8755-EA7177571C9A}"/>
+              </a:ext>
+            </a:extLst>
+          </p:cNvPr>
+          <p:cNvSpPr>
+            <a:spLocks noGrp="1"/>
+          </p:cNvSpPr>
+          <p:nvPr>
+            <p:ph type="title"/>
+          </p:nvPr>
+        </p:nvSpPr>
+        <p:spPr>
+          <a:xfrm>
+            <a:off x="838200" y="365125"/>
+            <a:ext cx="10515600" cy="1325563"/>
+          </a:xfrm>
+        </p:spPr>
+        <p:txBody>
+          <a:bodyPr>
+            <a:normAutofit/>
+          </a:bodyPr>
+          <a:lstStyle/>
+          <a:p>
+            <a:r>
+              <a:rPr lang="en-US" sz="3600" b="1">
+                <a:latin typeface="Avenir Book" panose="02000503020000020003" pitchFamily="2" charset="0"/>
+              </a:rPr>
+              <a:t>Models</a:t>
+            </a:r>
+            <a:endParaRPr lang="en-US" sz="3600" baseline="-25000"/>
+          </a:p>
+        </p:txBody>
+      </p:sp>
+      <p:sp>
+        <p:nvSpPr>
+          <p:cNvPr id="6" name="TextBox 5">
+            <a:extLst>
+              <a:ext uri="{FF2B5EF4-FFF2-40B4-BE49-F238E27FC236}">
+                <a16:creationId xmlns:a16="http://schemas.microsoft.com/office/drawing/2014/main" id="{59F8B032-B20E-CD49-87AF-1304DDFD3D27}"/>
+              </a:ext>
+            </a:extLst>
+          </p:cNvPr>
+          <p:cNvSpPr txBox="1"/>
+          <p:nvPr/>
+        </p:nvSpPr>
+        <p:spPr>
+          <a:xfrm>
+            <a:off x="265471" y="1690688"/>
             <a:ext cx="2910348" cy="4123052"/>
           </a:xfrm>
           <a:prstGeom prst="rect">
@@ -6555,14 +8027,9 @@
             </a:pPr>
             <a:r>
               <a:rPr lang="en-US" sz="1600" b="1">
-                <a:solidFill>
-                  <a:schemeClr val="bg2">
-                    <a:lumMod val="75000"/>
-                  </a:schemeClr>
-                </a:solidFill>
-                <a:latin typeface="Avenir Book" panose="02000503020000020003" pitchFamily="2" charset="0"/>
-              </a:rPr>
-              <a:t>Filter Methods</a:t>
+                <a:latin typeface="Avenir Book" panose="02000503020000020003" pitchFamily="2" charset="0"/>
+              </a:rPr>
+              <a:t>Unsupervised</a:t>
             </a:r>
           </a:p>
           <a:p>
@@ -6575,14 +8042,9 @@
             </a:pPr>
             <a:r>
               <a:rPr lang="en-US" sz="1600">
-                <a:solidFill>
-                  <a:schemeClr val="bg2">
-                    <a:lumMod val="75000"/>
-                  </a:schemeClr>
-                </a:solidFill>
-                <a:latin typeface="Avenir Book" panose="02000503020000020003" pitchFamily="2" charset="0"/>
-              </a:rPr>
-              <a:t>F-Score</a:t>
+                <a:latin typeface="Avenir Book" panose="02000503020000020003" pitchFamily="2" charset="0"/>
+              </a:rPr>
+              <a:t>K-Means</a:t>
             </a:r>
           </a:p>
           <a:p>
@@ -6602,7 +8064,7 @@
                 </a:solidFill>
                 <a:latin typeface="Avenir Book" panose="02000503020000020003" pitchFamily="2" charset="0"/>
               </a:rPr>
-              <a:t>Rough Set Theory</a:t>
+              <a:t>SOM</a:t>
             </a:r>
           </a:p>
           <a:p>
@@ -6622,7 +8084,7 @@
                 </a:solidFill>
                 <a:latin typeface="Avenir Book" panose="02000503020000020003" pitchFamily="2" charset="0"/>
               </a:rPr>
-              <a:t>Wrapper Methods</a:t>
+              <a:t>Supervised</a:t>
             </a:r>
           </a:p>
           <a:p>
@@ -6642,7 +8104,7 @@
                 </a:solidFill>
                 <a:latin typeface="Avenir Book" panose="02000503020000020003" pitchFamily="2" charset="0"/>
               </a:rPr>
-              <a:t>Stepwise Selection</a:t>
+              <a:t>LR</a:t>
             </a:r>
           </a:p>
           <a:p>
@@ -6662,9 +8124,817 @@
                 </a:solidFill>
                 <a:latin typeface="Avenir Book" panose="02000503020000020003" pitchFamily="2" charset="0"/>
               </a:rPr>
-              <a:t>Genetic Algorithm</a:t>
-            </a:r>
-          </a:p>
+              <a:t>DT</a:t>
+            </a:r>
+          </a:p>
+          <a:p>
+            <a:pPr marL="742950" lvl="1" indent="-285750">
+              <a:lnSpc>
+                <a:spcPct val="150000"/>
+              </a:lnSpc>
+              <a:buFont typeface="Courier New" panose="02070309020205020404" pitchFamily="49" charset="0"/>
+              <a:buChar char="o"/>
+            </a:pPr>
+            <a:r>
+              <a:rPr lang="en-US" sz="1600">
+                <a:solidFill>
+                  <a:schemeClr val="bg2">
+                    <a:lumMod val="75000"/>
+                  </a:schemeClr>
+                </a:solidFill>
+                <a:latin typeface="Avenir Book" panose="02000503020000020003" pitchFamily="2" charset="0"/>
+              </a:rPr>
+              <a:t>RF</a:t>
+            </a:r>
+          </a:p>
+          <a:p>
+            <a:pPr marL="742950" lvl="1" indent="-285750">
+              <a:lnSpc>
+                <a:spcPct val="150000"/>
+              </a:lnSpc>
+              <a:buFont typeface="Courier New" panose="02070309020205020404" pitchFamily="49" charset="0"/>
+              <a:buChar char="o"/>
+            </a:pPr>
+            <a:r>
+              <a:rPr lang="en-US" sz="1600">
+                <a:solidFill>
+                  <a:schemeClr val="bg2">
+                    <a:lumMod val="75000"/>
+                  </a:schemeClr>
+                </a:solidFill>
+                <a:latin typeface="Avenir Book" panose="02000503020000020003" pitchFamily="2" charset="0"/>
+              </a:rPr>
+              <a:t>GBDT</a:t>
+            </a:r>
+          </a:p>
+          <a:p>
+            <a:pPr marL="742950" lvl="1" indent="-285750">
+              <a:lnSpc>
+                <a:spcPct val="150000"/>
+              </a:lnSpc>
+              <a:buFont typeface="Courier New" panose="02070309020205020404" pitchFamily="49" charset="0"/>
+              <a:buChar char="o"/>
+            </a:pPr>
+            <a:r>
+              <a:rPr lang="en-US" sz="1600">
+                <a:solidFill>
+                  <a:schemeClr val="bg2">
+                    <a:lumMod val="75000"/>
+                  </a:schemeClr>
+                </a:solidFill>
+                <a:latin typeface="Avenir Book" panose="02000503020000020003" pitchFamily="2" charset="0"/>
+              </a:rPr>
+              <a:t>SVM</a:t>
+            </a:r>
+          </a:p>
+          <a:p>
+            <a:pPr marL="742950" lvl="1" indent="-285750">
+              <a:lnSpc>
+                <a:spcPct val="150000"/>
+              </a:lnSpc>
+              <a:buFont typeface="Courier New" panose="02070309020205020404" pitchFamily="49" charset="0"/>
+              <a:buChar char="o"/>
+            </a:pPr>
+            <a:r>
+              <a:rPr lang="en-US" sz="1600">
+                <a:solidFill>
+                  <a:schemeClr val="bg2">
+                    <a:lumMod val="75000"/>
+                  </a:schemeClr>
+                </a:solidFill>
+                <a:latin typeface="Avenir Book" panose="02000503020000020003" pitchFamily="2" charset="0"/>
+              </a:rPr>
+              <a:t>kNN</a:t>
+            </a:r>
+          </a:p>
+          <a:p>
+            <a:pPr marL="742950" lvl="1" indent="-285750">
+              <a:lnSpc>
+                <a:spcPct val="150000"/>
+              </a:lnSpc>
+              <a:buFont typeface="Courier New" panose="02070309020205020404" pitchFamily="49" charset="0"/>
+              <a:buChar char="o"/>
+            </a:pPr>
+            <a:r>
+              <a:rPr lang="en-US" sz="1600">
+                <a:solidFill>
+                  <a:schemeClr val="bg2">
+                    <a:lumMod val="75000"/>
+                  </a:schemeClr>
+                </a:solidFill>
+                <a:latin typeface="Avenir Book" panose="02000503020000020003" pitchFamily="2" charset="0"/>
+              </a:rPr>
+              <a:t>ANN</a:t>
+            </a:r>
+          </a:p>
+        </p:txBody>
+      </p:sp>
+      <p:pic>
+        <p:nvPicPr>
+          <p:cNvPr id="7" name="Picture 6">
+            <a:extLst>
+              <a:ext uri="{FF2B5EF4-FFF2-40B4-BE49-F238E27FC236}">
+                <a16:creationId xmlns:a16="http://schemas.microsoft.com/office/drawing/2014/main" id="{9F23A846-B078-5243-802C-90C6E44EA1DB}"/>
+              </a:ext>
+            </a:extLst>
+          </p:cNvPr>
+          <p:cNvPicPr>
+            <a:picLocks noChangeAspect="1"/>
+          </p:cNvPicPr>
+          <p:nvPr/>
+        </p:nvPicPr>
+        <p:blipFill>
+          <a:blip r:embed="rId3"/>
+          <a:stretch>
+            <a:fillRect/>
+          </a:stretch>
+        </p:blipFill>
+        <p:spPr>
+          <a:xfrm>
+            <a:off x="3657600" y="1441450"/>
+            <a:ext cx="4876800" cy="3975100"/>
+          </a:xfrm>
+          <a:prstGeom prst="rect">
+            <a:avLst/>
+          </a:prstGeom>
+        </p:spPr>
+      </p:pic>
+      <p:pic>
+        <p:nvPicPr>
+          <p:cNvPr id="10" name="Picture 9">
+            <a:extLst>
+              <a:ext uri="{FF2B5EF4-FFF2-40B4-BE49-F238E27FC236}">
+                <a16:creationId xmlns:a16="http://schemas.microsoft.com/office/drawing/2014/main" id="{E80D1D0B-6194-9A45-97D0-28FD525F60A3}"/>
+              </a:ext>
+            </a:extLst>
+          </p:cNvPr>
+          <p:cNvPicPr>
+            <a:picLocks noChangeAspect="1"/>
+          </p:cNvPicPr>
+          <p:nvPr/>
+        </p:nvPicPr>
+        <p:blipFill>
+          <a:blip r:embed="rId4"/>
+          <a:stretch>
+            <a:fillRect/>
+          </a:stretch>
+        </p:blipFill>
+        <p:spPr>
+          <a:xfrm>
+            <a:off x="3657600" y="1441450"/>
+            <a:ext cx="4876800" cy="3975100"/>
+          </a:xfrm>
+          <a:prstGeom prst="rect">
+            <a:avLst/>
+          </a:prstGeom>
+        </p:spPr>
+      </p:pic>
+      <p:pic>
+        <p:nvPicPr>
+          <p:cNvPr id="12" name="Picture 11">
+            <a:extLst>
+              <a:ext uri="{FF2B5EF4-FFF2-40B4-BE49-F238E27FC236}">
+                <a16:creationId xmlns:a16="http://schemas.microsoft.com/office/drawing/2014/main" id="{C8F318ED-54A1-8341-A95E-CE2C842B59FF}"/>
+              </a:ext>
+            </a:extLst>
+          </p:cNvPr>
+          <p:cNvPicPr>
+            <a:picLocks noChangeAspect="1"/>
+          </p:cNvPicPr>
+          <p:nvPr/>
+        </p:nvPicPr>
+        <p:blipFill>
+          <a:blip r:embed="rId5"/>
+          <a:stretch>
+            <a:fillRect/>
+          </a:stretch>
+        </p:blipFill>
+        <p:spPr>
+          <a:xfrm>
+            <a:off x="3657600" y="1441450"/>
+            <a:ext cx="4876800" cy="3975100"/>
+          </a:xfrm>
+          <a:prstGeom prst="rect">
+            <a:avLst/>
+          </a:prstGeom>
+        </p:spPr>
+      </p:pic>
+      <p:pic>
+        <p:nvPicPr>
+          <p:cNvPr id="14" name="Picture 13">
+            <a:extLst>
+              <a:ext uri="{FF2B5EF4-FFF2-40B4-BE49-F238E27FC236}">
+                <a16:creationId xmlns:a16="http://schemas.microsoft.com/office/drawing/2014/main" id="{E5A9BFF6-7CBA-3C40-A6B2-891E0D15B661}"/>
+              </a:ext>
+            </a:extLst>
+          </p:cNvPr>
+          <p:cNvPicPr>
+            <a:picLocks noChangeAspect="1"/>
+          </p:cNvPicPr>
+          <p:nvPr/>
+        </p:nvPicPr>
+        <p:blipFill>
+          <a:blip r:embed="rId6"/>
+          <a:stretch>
+            <a:fillRect/>
+          </a:stretch>
+        </p:blipFill>
+        <p:spPr>
+          <a:xfrm>
+            <a:off x="3657600" y="1441450"/>
+            <a:ext cx="4876800" cy="3975100"/>
+          </a:xfrm>
+          <a:prstGeom prst="rect">
+            <a:avLst/>
+          </a:prstGeom>
+        </p:spPr>
+      </p:pic>
+      <p:pic>
+        <p:nvPicPr>
+          <p:cNvPr id="16" name="Picture 15">
+            <a:extLst>
+              <a:ext uri="{FF2B5EF4-FFF2-40B4-BE49-F238E27FC236}">
+                <a16:creationId xmlns:a16="http://schemas.microsoft.com/office/drawing/2014/main" id="{E39AEC79-DA5F-7643-B675-A72CF163EE0B}"/>
+              </a:ext>
+            </a:extLst>
+          </p:cNvPr>
+          <p:cNvPicPr>
+            <a:picLocks noChangeAspect="1"/>
+          </p:cNvPicPr>
+          <p:nvPr/>
+        </p:nvPicPr>
+        <p:blipFill>
+          <a:blip r:embed="rId7"/>
+          <a:stretch>
+            <a:fillRect/>
+          </a:stretch>
+        </p:blipFill>
+        <p:spPr>
+          <a:xfrm>
+            <a:off x="3657600" y="1441450"/>
+            <a:ext cx="4876800" cy="3975100"/>
+          </a:xfrm>
+          <a:prstGeom prst="rect">
+            <a:avLst/>
+          </a:prstGeom>
+        </p:spPr>
+      </p:pic>
+      <p:pic>
+        <p:nvPicPr>
+          <p:cNvPr id="18" name="Picture 17">
+            <a:extLst>
+              <a:ext uri="{FF2B5EF4-FFF2-40B4-BE49-F238E27FC236}">
+                <a16:creationId xmlns:a16="http://schemas.microsoft.com/office/drawing/2014/main" id="{1F3A74D3-4F49-8640-A027-8188DF3CB99F}"/>
+              </a:ext>
+            </a:extLst>
+          </p:cNvPr>
+          <p:cNvPicPr>
+            <a:picLocks noChangeAspect="1"/>
+          </p:cNvPicPr>
+          <p:nvPr/>
+        </p:nvPicPr>
+        <p:blipFill>
+          <a:blip r:embed="rId8"/>
+          <a:stretch>
+            <a:fillRect/>
+          </a:stretch>
+        </p:blipFill>
+        <p:spPr>
+          <a:xfrm>
+            <a:off x="3657600" y="1441450"/>
+            <a:ext cx="4876800" cy="3975100"/>
+          </a:xfrm>
+          <a:prstGeom prst="rect">
+            <a:avLst/>
+          </a:prstGeom>
+        </p:spPr>
+      </p:pic>
+      <p:pic>
+        <p:nvPicPr>
+          <p:cNvPr id="20" name="Picture 19">
+            <a:extLst>
+              <a:ext uri="{FF2B5EF4-FFF2-40B4-BE49-F238E27FC236}">
+                <a16:creationId xmlns:a16="http://schemas.microsoft.com/office/drawing/2014/main" id="{292F91EB-94F1-C24F-B07D-BCD91A6C866A}"/>
+              </a:ext>
+            </a:extLst>
+          </p:cNvPr>
+          <p:cNvPicPr>
+            <a:picLocks noChangeAspect="1"/>
+          </p:cNvPicPr>
+          <p:nvPr/>
+        </p:nvPicPr>
+        <p:blipFill>
+          <a:blip r:embed="rId9"/>
+          <a:stretch>
+            <a:fillRect/>
+          </a:stretch>
+        </p:blipFill>
+        <p:spPr>
+          <a:xfrm>
+            <a:off x="3657600" y="1441450"/>
+            <a:ext cx="4876800" cy="3975100"/>
+          </a:xfrm>
+          <a:prstGeom prst="rect">
+            <a:avLst/>
+          </a:prstGeom>
+        </p:spPr>
+      </p:pic>
+    </p:spTree>
+    <p:extLst>
+      <p:ext uri="{BB962C8B-B14F-4D97-AF65-F5344CB8AC3E}">
+        <p14:creationId xmlns:p14="http://schemas.microsoft.com/office/powerpoint/2010/main" val="703185285"/>
+      </p:ext>
+    </p:extLst>
+  </p:cSld>
+  <p:clrMapOvr>
+    <a:masterClrMapping/>
+  </p:clrMapOvr>
+  <p:timing>
+    <p:tnLst>
+      <p:par>
+        <p:cTn id="1" dur="indefinite" restart="never" nodeType="tmRoot">
+          <p:childTnLst>
+            <p:seq concurrent="1" nextAc="seek">
+              <p:cTn id="2" dur="indefinite" nodeType="mainSeq">
+                <p:childTnLst>
+                  <p:par>
+                    <p:cTn id="3" fill="hold">
+                      <p:stCondLst>
+                        <p:cond delay="indefinite"/>
+                      </p:stCondLst>
+                      <p:childTnLst>
+                        <p:par>
+                          <p:cTn id="4" fill="hold">
+                            <p:stCondLst>
+                              <p:cond delay="0"/>
+                            </p:stCondLst>
+                            <p:childTnLst>
+                              <p:par>
+                                <p:cTn id="5" presetID="10" presetClass="entr" presetSubtype="0" fill="hold" nodeType="clickEffect">
+                                  <p:stCondLst>
+                                    <p:cond delay="0"/>
+                                  </p:stCondLst>
+                                  <p:childTnLst>
+                                    <p:set>
+                                      <p:cBhvr>
+                                        <p:cTn id="6" dur="1" fill="hold">
+                                          <p:stCondLst>
+                                            <p:cond delay="0"/>
+                                          </p:stCondLst>
+                                        </p:cTn>
+                                        <p:tgtEl>
+                                          <p:spTgt spid="7"/>
+                                        </p:tgtEl>
+                                        <p:attrNameLst>
+                                          <p:attrName>style.visibility</p:attrName>
+                                        </p:attrNameLst>
+                                      </p:cBhvr>
+                                      <p:to>
+                                        <p:strVal val="visible"/>
+                                      </p:to>
+                                    </p:set>
+                                    <p:animEffect transition="in" filter="fade">
+                                      <p:cBhvr>
+                                        <p:cTn id="7" dur="500"/>
+                                        <p:tgtEl>
+                                          <p:spTgt spid="7"/>
+                                        </p:tgtEl>
+                                      </p:cBhvr>
+                                    </p:animEffect>
+                                  </p:childTnLst>
+                                </p:cTn>
+                              </p:par>
+                            </p:childTnLst>
+                          </p:cTn>
+                        </p:par>
+                      </p:childTnLst>
+                    </p:cTn>
+                  </p:par>
+                  <p:par>
+                    <p:cTn id="8" fill="hold">
+                      <p:stCondLst>
+                        <p:cond delay="indefinite"/>
+                      </p:stCondLst>
+                      <p:childTnLst>
+                        <p:par>
+                          <p:cTn id="9" fill="hold">
+                            <p:stCondLst>
+                              <p:cond delay="0"/>
+                            </p:stCondLst>
+                            <p:childTnLst>
+                              <p:par>
+                                <p:cTn id="10" presetID="10" presetClass="entr" presetSubtype="0" fill="hold" nodeType="clickEffect">
+                                  <p:stCondLst>
+                                    <p:cond delay="0"/>
+                                  </p:stCondLst>
+                                  <p:childTnLst>
+                                    <p:set>
+                                      <p:cBhvr>
+                                        <p:cTn id="11" dur="1" fill="hold">
+                                          <p:stCondLst>
+                                            <p:cond delay="0"/>
+                                          </p:stCondLst>
+                                        </p:cTn>
+                                        <p:tgtEl>
+                                          <p:spTgt spid="10"/>
+                                        </p:tgtEl>
+                                        <p:attrNameLst>
+                                          <p:attrName>style.visibility</p:attrName>
+                                        </p:attrNameLst>
+                                      </p:cBhvr>
+                                      <p:to>
+                                        <p:strVal val="visible"/>
+                                      </p:to>
+                                    </p:set>
+                                    <p:animEffect transition="in" filter="fade">
+                                      <p:cBhvr>
+                                        <p:cTn id="12" dur="500"/>
+                                        <p:tgtEl>
+                                          <p:spTgt spid="10"/>
+                                        </p:tgtEl>
+                                      </p:cBhvr>
+                                    </p:animEffect>
+                                  </p:childTnLst>
+                                </p:cTn>
+                              </p:par>
+                            </p:childTnLst>
+                          </p:cTn>
+                        </p:par>
+                      </p:childTnLst>
+                    </p:cTn>
+                  </p:par>
+                  <p:par>
+                    <p:cTn id="13" fill="hold">
+                      <p:stCondLst>
+                        <p:cond delay="indefinite"/>
+                      </p:stCondLst>
+                      <p:childTnLst>
+                        <p:par>
+                          <p:cTn id="14" fill="hold">
+                            <p:stCondLst>
+                              <p:cond delay="0"/>
+                            </p:stCondLst>
+                            <p:childTnLst>
+                              <p:par>
+                                <p:cTn id="15" presetID="10" presetClass="entr" presetSubtype="0" fill="hold" nodeType="clickEffect">
+                                  <p:stCondLst>
+                                    <p:cond delay="0"/>
+                                  </p:stCondLst>
+                                  <p:childTnLst>
+                                    <p:set>
+                                      <p:cBhvr>
+                                        <p:cTn id="16" dur="1" fill="hold">
+                                          <p:stCondLst>
+                                            <p:cond delay="0"/>
+                                          </p:stCondLst>
+                                        </p:cTn>
+                                        <p:tgtEl>
+                                          <p:spTgt spid="12"/>
+                                        </p:tgtEl>
+                                        <p:attrNameLst>
+                                          <p:attrName>style.visibility</p:attrName>
+                                        </p:attrNameLst>
+                                      </p:cBhvr>
+                                      <p:to>
+                                        <p:strVal val="visible"/>
+                                      </p:to>
+                                    </p:set>
+                                    <p:animEffect transition="in" filter="fade">
+                                      <p:cBhvr>
+                                        <p:cTn id="17" dur="500"/>
+                                        <p:tgtEl>
+                                          <p:spTgt spid="12"/>
+                                        </p:tgtEl>
+                                      </p:cBhvr>
+                                    </p:animEffect>
+                                  </p:childTnLst>
+                                </p:cTn>
+                              </p:par>
+                            </p:childTnLst>
+                          </p:cTn>
+                        </p:par>
+                      </p:childTnLst>
+                    </p:cTn>
+                  </p:par>
+                  <p:par>
+                    <p:cTn id="18" fill="hold">
+                      <p:stCondLst>
+                        <p:cond delay="indefinite"/>
+                      </p:stCondLst>
+                      <p:childTnLst>
+                        <p:par>
+                          <p:cTn id="19" fill="hold">
+                            <p:stCondLst>
+                              <p:cond delay="0"/>
+                            </p:stCondLst>
+                            <p:childTnLst>
+                              <p:par>
+                                <p:cTn id="20" presetID="10" presetClass="entr" presetSubtype="0" fill="hold" nodeType="clickEffect">
+                                  <p:stCondLst>
+                                    <p:cond delay="0"/>
+                                  </p:stCondLst>
+                                  <p:childTnLst>
+                                    <p:set>
+                                      <p:cBhvr>
+                                        <p:cTn id="21" dur="1" fill="hold">
+                                          <p:stCondLst>
+                                            <p:cond delay="0"/>
+                                          </p:stCondLst>
+                                        </p:cTn>
+                                        <p:tgtEl>
+                                          <p:spTgt spid="14"/>
+                                        </p:tgtEl>
+                                        <p:attrNameLst>
+                                          <p:attrName>style.visibility</p:attrName>
+                                        </p:attrNameLst>
+                                      </p:cBhvr>
+                                      <p:to>
+                                        <p:strVal val="visible"/>
+                                      </p:to>
+                                    </p:set>
+                                    <p:animEffect transition="in" filter="fade">
+                                      <p:cBhvr>
+                                        <p:cTn id="22" dur="500"/>
+                                        <p:tgtEl>
+                                          <p:spTgt spid="14"/>
+                                        </p:tgtEl>
+                                      </p:cBhvr>
+                                    </p:animEffect>
+                                  </p:childTnLst>
+                                </p:cTn>
+                              </p:par>
+                            </p:childTnLst>
+                          </p:cTn>
+                        </p:par>
+                      </p:childTnLst>
+                    </p:cTn>
+                  </p:par>
+                  <p:par>
+                    <p:cTn id="23" fill="hold">
+                      <p:stCondLst>
+                        <p:cond delay="indefinite"/>
+                      </p:stCondLst>
+                      <p:childTnLst>
+                        <p:par>
+                          <p:cTn id="24" fill="hold">
+                            <p:stCondLst>
+                              <p:cond delay="0"/>
+                            </p:stCondLst>
+                            <p:childTnLst>
+                              <p:par>
+                                <p:cTn id="25" presetID="10" presetClass="entr" presetSubtype="0" fill="hold" nodeType="clickEffect">
+                                  <p:stCondLst>
+                                    <p:cond delay="0"/>
+                                  </p:stCondLst>
+                                  <p:childTnLst>
+                                    <p:set>
+                                      <p:cBhvr>
+                                        <p:cTn id="26" dur="1" fill="hold">
+                                          <p:stCondLst>
+                                            <p:cond delay="0"/>
+                                          </p:stCondLst>
+                                        </p:cTn>
+                                        <p:tgtEl>
+                                          <p:spTgt spid="16"/>
+                                        </p:tgtEl>
+                                        <p:attrNameLst>
+                                          <p:attrName>style.visibility</p:attrName>
+                                        </p:attrNameLst>
+                                      </p:cBhvr>
+                                      <p:to>
+                                        <p:strVal val="visible"/>
+                                      </p:to>
+                                    </p:set>
+                                    <p:animEffect transition="in" filter="fade">
+                                      <p:cBhvr>
+                                        <p:cTn id="27" dur="500"/>
+                                        <p:tgtEl>
+                                          <p:spTgt spid="16"/>
+                                        </p:tgtEl>
+                                      </p:cBhvr>
+                                    </p:animEffect>
+                                  </p:childTnLst>
+                                </p:cTn>
+                              </p:par>
+                            </p:childTnLst>
+                          </p:cTn>
+                        </p:par>
+                      </p:childTnLst>
+                    </p:cTn>
+                  </p:par>
+                  <p:par>
+                    <p:cTn id="28" fill="hold">
+                      <p:stCondLst>
+                        <p:cond delay="indefinite"/>
+                      </p:stCondLst>
+                      <p:childTnLst>
+                        <p:par>
+                          <p:cTn id="29" fill="hold">
+                            <p:stCondLst>
+                              <p:cond delay="0"/>
+                            </p:stCondLst>
+                            <p:childTnLst>
+                              <p:par>
+                                <p:cTn id="30" presetID="10" presetClass="entr" presetSubtype="0" fill="hold" nodeType="clickEffect">
+                                  <p:stCondLst>
+                                    <p:cond delay="0"/>
+                                  </p:stCondLst>
+                                  <p:childTnLst>
+                                    <p:set>
+                                      <p:cBhvr>
+                                        <p:cTn id="31" dur="1" fill="hold">
+                                          <p:stCondLst>
+                                            <p:cond delay="0"/>
+                                          </p:stCondLst>
+                                        </p:cTn>
+                                        <p:tgtEl>
+                                          <p:spTgt spid="18"/>
+                                        </p:tgtEl>
+                                        <p:attrNameLst>
+                                          <p:attrName>style.visibility</p:attrName>
+                                        </p:attrNameLst>
+                                      </p:cBhvr>
+                                      <p:to>
+                                        <p:strVal val="visible"/>
+                                      </p:to>
+                                    </p:set>
+                                    <p:animEffect transition="in" filter="fade">
+                                      <p:cBhvr>
+                                        <p:cTn id="32" dur="500"/>
+                                        <p:tgtEl>
+                                          <p:spTgt spid="18"/>
+                                        </p:tgtEl>
+                                      </p:cBhvr>
+                                    </p:animEffect>
+                                  </p:childTnLst>
+                                </p:cTn>
+                              </p:par>
+                            </p:childTnLst>
+                          </p:cTn>
+                        </p:par>
+                      </p:childTnLst>
+                    </p:cTn>
+                  </p:par>
+                  <p:par>
+                    <p:cTn id="33" fill="hold">
+                      <p:stCondLst>
+                        <p:cond delay="indefinite"/>
+                      </p:stCondLst>
+                      <p:childTnLst>
+                        <p:par>
+                          <p:cTn id="34" fill="hold">
+                            <p:stCondLst>
+                              <p:cond delay="0"/>
+                            </p:stCondLst>
+                            <p:childTnLst>
+                              <p:par>
+                                <p:cTn id="35" presetID="10" presetClass="entr" presetSubtype="0" fill="hold" nodeType="clickEffect">
+                                  <p:stCondLst>
+                                    <p:cond delay="0"/>
+                                  </p:stCondLst>
+                                  <p:childTnLst>
+                                    <p:set>
+                                      <p:cBhvr>
+                                        <p:cTn id="36" dur="1" fill="hold">
+                                          <p:stCondLst>
+                                            <p:cond delay="0"/>
+                                          </p:stCondLst>
+                                        </p:cTn>
+                                        <p:tgtEl>
+                                          <p:spTgt spid="20"/>
+                                        </p:tgtEl>
+                                        <p:attrNameLst>
+                                          <p:attrName>style.visibility</p:attrName>
+                                        </p:attrNameLst>
+                                      </p:cBhvr>
+                                      <p:to>
+                                        <p:strVal val="visible"/>
+                                      </p:to>
+                                    </p:set>
+                                    <p:animEffect transition="in" filter="fade">
+                                      <p:cBhvr>
+                                        <p:cTn id="37" dur="500"/>
+                                        <p:tgtEl>
+                                          <p:spTgt spid="20"/>
+                                        </p:tgtEl>
+                                      </p:cBhvr>
+                                    </p:animEffect>
+                                  </p:childTnLst>
+                                </p:cTn>
+                              </p:par>
+                            </p:childTnLst>
+                          </p:cTn>
+                        </p:par>
+                      </p:childTnLst>
+                    </p:cTn>
+                  </p:par>
+                </p:childTnLst>
+              </p:cTn>
+              <p:prevCondLst>
+                <p:cond evt="onPrev" delay="0">
+                  <p:tgtEl>
+                    <p:sldTgt/>
+                  </p:tgtEl>
+                </p:cond>
+              </p:prevCondLst>
+              <p:nextCondLst>
+                <p:cond evt="onNext" delay="0">
+                  <p:tgtEl>
+                    <p:sldTgt/>
+                  </p:tgtEl>
+                </p:cond>
+              </p:nextCondLst>
+            </p:seq>
+          </p:childTnLst>
+        </p:cTn>
+      </p:par>
+    </p:tnLst>
+  </p:timing>
+</p:sld>
+</file>
+
+<file path=ppt/slides/slide15.xml><?xml version="1.0" encoding="utf-8"?>
+<p:sld xmlns:a="http://schemas.openxmlformats.org/drawingml/2006/main" xmlns:r="http://schemas.openxmlformats.org/officeDocument/2006/relationships" xmlns:p="http://schemas.openxmlformats.org/presentationml/2006/main">
+  <p:cSld>
+    <p:spTree>
+      <p:nvGrpSpPr>
+        <p:cNvPr id="1" name=""/>
+        <p:cNvGrpSpPr/>
+        <p:nvPr/>
+      </p:nvGrpSpPr>
+      <p:grpSpPr>
+        <a:xfrm>
+          <a:off x="0" y="0"/>
+          <a:ext cx="0" cy="0"/>
+          <a:chOff x="0" y="0"/>
+          <a:chExt cx="0" cy="0"/>
+        </a:xfrm>
+      </p:grpSpPr>
+      <p:sp>
+        <p:nvSpPr>
+          <p:cNvPr id="4" name="Title 1">
+            <a:extLst>
+              <a:ext uri="{FF2B5EF4-FFF2-40B4-BE49-F238E27FC236}">
+                <a16:creationId xmlns:a16="http://schemas.microsoft.com/office/drawing/2014/main" id="{E5B55D2A-BB9B-4447-8755-EA7177571C9A}"/>
+              </a:ext>
+            </a:extLst>
+          </p:cNvPr>
+          <p:cNvSpPr>
+            <a:spLocks noGrp="1"/>
+          </p:cNvSpPr>
+          <p:nvPr>
+            <p:ph type="title"/>
+          </p:nvPr>
+        </p:nvSpPr>
+        <p:spPr>
+          <a:xfrm>
+            <a:off x="838200" y="365125"/>
+            <a:ext cx="10515600" cy="1325563"/>
+          </a:xfrm>
+        </p:spPr>
+        <p:txBody>
+          <a:bodyPr>
+            <a:normAutofit/>
+          </a:bodyPr>
+          <a:lstStyle/>
+          <a:p>
+            <a:r>
+              <a:rPr lang="en-US" sz="3600" b="1">
+                <a:latin typeface="Avenir Book" panose="02000503020000020003" pitchFamily="2" charset="0"/>
+              </a:rPr>
+              <a:t>Models</a:t>
+            </a:r>
+            <a:endParaRPr lang="en-US" sz="3600" baseline="-25000"/>
+          </a:p>
+        </p:txBody>
+      </p:sp>
+      <p:sp>
+        <p:nvSpPr>
+          <p:cNvPr id="6" name="TextBox 5">
+            <a:extLst>
+              <a:ext uri="{FF2B5EF4-FFF2-40B4-BE49-F238E27FC236}">
+                <a16:creationId xmlns:a16="http://schemas.microsoft.com/office/drawing/2014/main" id="{59F8B032-B20E-CD49-87AF-1304DDFD3D27}"/>
+              </a:ext>
+            </a:extLst>
+          </p:cNvPr>
+          <p:cNvSpPr txBox="1"/>
+          <p:nvPr/>
+        </p:nvSpPr>
+        <p:spPr>
+          <a:xfrm>
+            <a:off x="265471" y="1690688"/>
+            <a:ext cx="2910348" cy="4123052"/>
+          </a:xfrm>
+          <a:prstGeom prst="rect">
+            <a:avLst/>
+          </a:prstGeom>
+          <a:noFill/>
+        </p:spPr>
+        <p:txBody>
+          <a:bodyPr wrap="square" rtlCol="0">
+            <a:spAutoFit/>
+          </a:bodyPr>
+          <a:lstStyle/>
           <a:p>
             <a:pPr marL="285750" indent="-285750">
               <a:lnSpc>
@@ -6677,7 +8947,7 @@
               <a:rPr lang="en-US" sz="1600" b="1">
                 <a:latin typeface="Avenir Book" panose="02000503020000020003" pitchFamily="2" charset="0"/>
               </a:rPr>
-              <a:t>Feature Engineering</a:t>
+              <a:t>Unsupervised</a:t>
             </a:r>
           </a:p>
           <a:p>
@@ -6690,9 +8960,14 @@
             </a:pPr>
             <a:r>
               <a:rPr lang="en-US" sz="1600">
-                <a:latin typeface="Avenir Book" panose="02000503020000020003" pitchFamily="2" charset="0"/>
-              </a:rPr>
-              <a:t>PCA</a:t>
+                <a:solidFill>
+                  <a:schemeClr val="bg2">
+                    <a:lumMod val="75000"/>
+                  </a:schemeClr>
+                </a:solidFill>
+                <a:latin typeface="Avenir Book" panose="02000503020000020003" pitchFamily="2" charset="0"/>
+              </a:rPr>
+              <a:t>K-Means</a:t>
             </a:r>
           </a:p>
           <a:p>
@@ -6705,6 +8980,21 @@
             </a:pPr>
             <a:r>
               <a:rPr lang="en-US" sz="1600">
+                <a:latin typeface="Avenir Book" panose="02000503020000020003" pitchFamily="2" charset="0"/>
+              </a:rPr>
+              <a:t>SOM</a:t>
+            </a:r>
+          </a:p>
+          <a:p>
+            <a:pPr marL="285750" indent="-285750">
+              <a:lnSpc>
+                <a:spcPct val="150000"/>
+              </a:lnSpc>
+              <a:buFont typeface="Arial" panose="020B0604020202020204" pitchFamily="34" charset="0"/>
+              <a:buChar char="•"/>
+            </a:pPr>
+            <a:r>
+              <a:rPr lang="en-US" sz="1600" b="1">
                 <a:solidFill>
                   <a:schemeClr val="bg2">
                     <a:lumMod val="75000"/>
@@ -6712,7 +9002,7 @@
                 </a:solidFill>
                 <a:latin typeface="Avenir Book" panose="02000503020000020003" pitchFamily="2" charset="0"/>
               </a:rPr>
-              <a:t>Autoencoders</a:t>
+              <a:t>Supervised</a:t>
             </a:r>
           </a:p>
           <a:p>
@@ -6732,9 +9022,256 @@
                 </a:solidFill>
                 <a:latin typeface="Avenir Book" panose="02000503020000020003" pitchFamily="2" charset="0"/>
               </a:rPr>
-              <a:t>LDA</a:t>
-            </a:r>
-          </a:p>
+              <a:t>LR</a:t>
+            </a:r>
+          </a:p>
+          <a:p>
+            <a:pPr marL="742950" lvl="1" indent="-285750">
+              <a:lnSpc>
+                <a:spcPct val="150000"/>
+              </a:lnSpc>
+              <a:buFont typeface="Courier New" panose="02070309020205020404" pitchFamily="49" charset="0"/>
+              <a:buChar char="o"/>
+            </a:pPr>
+            <a:r>
+              <a:rPr lang="en-US" sz="1600">
+                <a:solidFill>
+                  <a:schemeClr val="bg2">
+                    <a:lumMod val="75000"/>
+                  </a:schemeClr>
+                </a:solidFill>
+                <a:latin typeface="Avenir Book" panose="02000503020000020003" pitchFamily="2" charset="0"/>
+              </a:rPr>
+              <a:t>DT</a:t>
+            </a:r>
+          </a:p>
+          <a:p>
+            <a:pPr marL="742950" lvl="1" indent="-285750">
+              <a:lnSpc>
+                <a:spcPct val="150000"/>
+              </a:lnSpc>
+              <a:buFont typeface="Courier New" panose="02070309020205020404" pitchFamily="49" charset="0"/>
+              <a:buChar char="o"/>
+            </a:pPr>
+            <a:r>
+              <a:rPr lang="en-US" sz="1600">
+                <a:solidFill>
+                  <a:schemeClr val="bg2">
+                    <a:lumMod val="75000"/>
+                  </a:schemeClr>
+                </a:solidFill>
+                <a:latin typeface="Avenir Book" panose="02000503020000020003" pitchFamily="2" charset="0"/>
+              </a:rPr>
+              <a:t>RF</a:t>
+            </a:r>
+          </a:p>
+          <a:p>
+            <a:pPr marL="742950" lvl="1" indent="-285750">
+              <a:lnSpc>
+                <a:spcPct val="150000"/>
+              </a:lnSpc>
+              <a:buFont typeface="Courier New" panose="02070309020205020404" pitchFamily="49" charset="0"/>
+              <a:buChar char="o"/>
+            </a:pPr>
+            <a:r>
+              <a:rPr lang="en-US" sz="1600">
+                <a:solidFill>
+                  <a:schemeClr val="bg2">
+                    <a:lumMod val="75000"/>
+                  </a:schemeClr>
+                </a:solidFill>
+                <a:latin typeface="Avenir Book" panose="02000503020000020003" pitchFamily="2" charset="0"/>
+              </a:rPr>
+              <a:t>GBDT</a:t>
+            </a:r>
+          </a:p>
+          <a:p>
+            <a:pPr marL="742950" lvl="1" indent="-285750">
+              <a:lnSpc>
+                <a:spcPct val="150000"/>
+              </a:lnSpc>
+              <a:buFont typeface="Courier New" panose="02070309020205020404" pitchFamily="49" charset="0"/>
+              <a:buChar char="o"/>
+            </a:pPr>
+            <a:r>
+              <a:rPr lang="en-US" sz="1600">
+                <a:solidFill>
+                  <a:schemeClr val="bg2">
+                    <a:lumMod val="75000"/>
+                  </a:schemeClr>
+                </a:solidFill>
+                <a:latin typeface="Avenir Book" panose="02000503020000020003" pitchFamily="2" charset="0"/>
+              </a:rPr>
+              <a:t>SVM</a:t>
+            </a:r>
+          </a:p>
+          <a:p>
+            <a:pPr marL="742950" lvl="1" indent="-285750">
+              <a:lnSpc>
+                <a:spcPct val="150000"/>
+              </a:lnSpc>
+              <a:buFont typeface="Courier New" panose="02070309020205020404" pitchFamily="49" charset="0"/>
+              <a:buChar char="o"/>
+            </a:pPr>
+            <a:r>
+              <a:rPr lang="en-US" sz="1600">
+                <a:solidFill>
+                  <a:schemeClr val="bg2">
+                    <a:lumMod val="75000"/>
+                  </a:schemeClr>
+                </a:solidFill>
+                <a:latin typeface="Avenir Book" panose="02000503020000020003" pitchFamily="2" charset="0"/>
+              </a:rPr>
+              <a:t>kNN</a:t>
+            </a:r>
+          </a:p>
+          <a:p>
+            <a:pPr marL="742950" lvl="1" indent="-285750">
+              <a:lnSpc>
+                <a:spcPct val="150000"/>
+              </a:lnSpc>
+              <a:buFont typeface="Courier New" panose="02070309020205020404" pitchFamily="49" charset="0"/>
+              <a:buChar char="o"/>
+            </a:pPr>
+            <a:r>
+              <a:rPr lang="en-US" sz="1600">
+                <a:solidFill>
+                  <a:schemeClr val="bg2">
+                    <a:lumMod val="75000"/>
+                  </a:schemeClr>
+                </a:solidFill>
+                <a:latin typeface="Avenir Book" panose="02000503020000020003" pitchFamily="2" charset="0"/>
+              </a:rPr>
+              <a:t>ANN</a:t>
+            </a:r>
+          </a:p>
+        </p:txBody>
+      </p:sp>
+      <p:pic>
+        <p:nvPicPr>
+          <p:cNvPr id="8" name="Picture 7">
+            <a:extLst>
+              <a:ext uri="{FF2B5EF4-FFF2-40B4-BE49-F238E27FC236}">
+                <a16:creationId xmlns:a16="http://schemas.microsoft.com/office/drawing/2014/main" id="{13B7BAE8-BFE7-1143-AD40-0F79CCE1A607}"/>
+              </a:ext>
+            </a:extLst>
+          </p:cNvPr>
+          <p:cNvPicPr>
+            <a:picLocks noChangeAspect="1"/>
+          </p:cNvPicPr>
+          <p:nvPr/>
+        </p:nvPicPr>
+        <p:blipFill>
+          <a:blip r:embed="rId3"/>
+          <a:stretch>
+            <a:fillRect/>
+          </a:stretch>
+        </p:blipFill>
+        <p:spPr>
+          <a:xfrm>
+            <a:off x="3657600" y="1441450"/>
+            <a:ext cx="4876800" cy="3975100"/>
+          </a:xfrm>
+          <a:prstGeom prst="rect">
+            <a:avLst/>
+          </a:prstGeom>
+        </p:spPr>
+      </p:pic>
+    </p:spTree>
+    <p:extLst>
+      <p:ext uri="{BB962C8B-B14F-4D97-AF65-F5344CB8AC3E}">
+        <p14:creationId xmlns:p14="http://schemas.microsoft.com/office/powerpoint/2010/main" val="4259890774"/>
+      </p:ext>
+    </p:extLst>
+  </p:cSld>
+  <p:clrMapOvr>
+    <a:masterClrMapping/>
+  </p:clrMapOvr>
+</p:sld>
+</file>
+
+<file path=ppt/slides/slide16.xml><?xml version="1.0" encoding="utf-8"?>
+<p:sld xmlns:a="http://schemas.openxmlformats.org/drawingml/2006/main" xmlns:r="http://schemas.openxmlformats.org/officeDocument/2006/relationships" xmlns:p="http://schemas.openxmlformats.org/presentationml/2006/main">
+  <p:cSld>
+    <p:spTree>
+      <p:nvGrpSpPr>
+        <p:cNvPr id="1" name=""/>
+        <p:cNvGrpSpPr/>
+        <p:nvPr/>
+      </p:nvGrpSpPr>
+      <p:grpSpPr>
+        <a:xfrm>
+          <a:off x="0" y="0"/>
+          <a:ext cx="0" cy="0"/>
+          <a:chOff x="0" y="0"/>
+          <a:chExt cx="0" cy="0"/>
+        </a:xfrm>
+      </p:grpSpPr>
+      <p:sp>
+        <p:nvSpPr>
+          <p:cNvPr id="4" name="Title 1">
+            <a:extLst>
+              <a:ext uri="{FF2B5EF4-FFF2-40B4-BE49-F238E27FC236}">
+                <a16:creationId xmlns:a16="http://schemas.microsoft.com/office/drawing/2014/main" id="{E5B55D2A-BB9B-4447-8755-EA7177571C9A}"/>
+              </a:ext>
+            </a:extLst>
+          </p:cNvPr>
+          <p:cNvSpPr>
+            <a:spLocks noGrp="1"/>
+          </p:cNvSpPr>
+          <p:nvPr>
+            <p:ph type="title"/>
+          </p:nvPr>
+        </p:nvSpPr>
+        <p:spPr>
+          <a:xfrm>
+            <a:off x="838200" y="365125"/>
+            <a:ext cx="10515600" cy="1325563"/>
+          </a:xfrm>
+        </p:spPr>
+        <p:txBody>
+          <a:bodyPr>
+            <a:normAutofit/>
+          </a:bodyPr>
+          <a:lstStyle/>
+          <a:p>
+            <a:r>
+              <a:rPr lang="en-US" sz="3600" b="1">
+                <a:latin typeface="Avenir Book" panose="02000503020000020003" pitchFamily="2" charset="0"/>
+              </a:rPr>
+              <a:t>Models</a:t>
+            </a:r>
+            <a:endParaRPr lang="en-US" sz="3600" baseline="-25000"/>
+          </a:p>
+        </p:txBody>
+      </p:sp>
+      <p:sp>
+        <p:nvSpPr>
+          <p:cNvPr id="6" name="TextBox 5">
+            <a:extLst>
+              <a:ext uri="{FF2B5EF4-FFF2-40B4-BE49-F238E27FC236}">
+                <a16:creationId xmlns:a16="http://schemas.microsoft.com/office/drawing/2014/main" id="{59F8B032-B20E-CD49-87AF-1304DDFD3D27}"/>
+              </a:ext>
+            </a:extLst>
+          </p:cNvPr>
+          <p:cNvSpPr txBox="1"/>
+          <p:nvPr/>
+        </p:nvSpPr>
+        <p:spPr>
+          <a:xfrm>
+            <a:off x="265471" y="1690688"/>
+            <a:ext cx="2910348" cy="4123052"/>
+          </a:xfrm>
+          <a:prstGeom prst="rect">
+            <a:avLst/>
+          </a:prstGeom>
+          <a:noFill/>
+        </p:spPr>
+        <p:txBody>
+          <a:bodyPr wrap="square" rtlCol="0">
+            <a:spAutoFit/>
+          </a:bodyPr>
+          <a:lstStyle/>
           <a:p>
             <a:pPr marL="285750" indent="-285750">
               <a:lnSpc>
@@ -6743,16 +9280,2177 @@
               <a:buFont typeface="Arial" panose="020B0604020202020204" pitchFamily="34" charset="0"/>
               <a:buChar char="•"/>
             </a:pPr>
-            <a:endParaRPr lang="en-US" sz="1600">
-              <a:latin typeface="Avenir Book" panose="02000503020000020003" pitchFamily="2" charset="0"/>
-            </a:endParaRPr>
+            <a:r>
+              <a:rPr lang="en-US" sz="1600" b="1">
+                <a:solidFill>
+                  <a:schemeClr val="bg2">
+                    <a:lumMod val="75000"/>
+                  </a:schemeClr>
+                </a:solidFill>
+                <a:latin typeface="Avenir Book" panose="02000503020000020003" pitchFamily="2" charset="0"/>
+              </a:rPr>
+              <a:t>Unsupervised</a:t>
+            </a:r>
+          </a:p>
+          <a:p>
+            <a:pPr marL="742950" lvl="1" indent="-285750">
+              <a:lnSpc>
+                <a:spcPct val="150000"/>
+              </a:lnSpc>
+              <a:buFont typeface="Courier New" panose="02070309020205020404" pitchFamily="49" charset="0"/>
+              <a:buChar char="o"/>
+            </a:pPr>
+            <a:r>
+              <a:rPr lang="en-US" sz="1600">
+                <a:solidFill>
+                  <a:schemeClr val="bg2">
+                    <a:lumMod val="75000"/>
+                  </a:schemeClr>
+                </a:solidFill>
+                <a:latin typeface="Avenir Book" panose="02000503020000020003" pitchFamily="2" charset="0"/>
+              </a:rPr>
+              <a:t>K-Means</a:t>
+            </a:r>
+          </a:p>
+          <a:p>
+            <a:pPr marL="742950" lvl="1" indent="-285750">
+              <a:lnSpc>
+                <a:spcPct val="150000"/>
+              </a:lnSpc>
+              <a:buFont typeface="Courier New" panose="02070309020205020404" pitchFamily="49" charset="0"/>
+              <a:buChar char="o"/>
+            </a:pPr>
+            <a:r>
+              <a:rPr lang="en-US" sz="1600">
+                <a:solidFill>
+                  <a:schemeClr val="bg2">
+                    <a:lumMod val="75000"/>
+                  </a:schemeClr>
+                </a:solidFill>
+                <a:latin typeface="Avenir Book" panose="02000503020000020003" pitchFamily="2" charset="0"/>
+              </a:rPr>
+              <a:t>SOM</a:t>
+            </a:r>
+          </a:p>
+          <a:p>
+            <a:pPr marL="285750" indent="-285750">
+              <a:lnSpc>
+                <a:spcPct val="150000"/>
+              </a:lnSpc>
+              <a:buFont typeface="Arial" panose="020B0604020202020204" pitchFamily="34" charset="0"/>
+              <a:buChar char="•"/>
+            </a:pPr>
+            <a:r>
+              <a:rPr lang="en-US" sz="1600" b="1">
+                <a:latin typeface="Avenir Book" panose="02000503020000020003" pitchFamily="2" charset="0"/>
+              </a:rPr>
+              <a:t>Supervised</a:t>
+            </a:r>
+          </a:p>
+          <a:p>
+            <a:pPr marL="742950" lvl="1" indent="-285750">
+              <a:lnSpc>
+                <a:spcPct val="150000"/>
+              </a:lnSpc>
+              <a:buFont typeface="Courier New" panose="02070309020205020404" pitchFamily="49" charset="0"/>
+              <a:buChar char="o"/>
+            </a:pPr>
+            <a:r>
+              <a:rPr lang="en-US" sz="1600">
+                <a:latin typeface="Avenir Book" panose="02000503020000020003" pitchFamily="2" charset="0"/>
+              </a:rPr>
+              <a:t>LR</a:t>
+            </a:r>
+          </a:p>
+          <a:p>
+            <a:pPr marL="742950" lvl="1" indent="-285750">
+              <a:lnSpc>
+                <a:spcPct val="150000"/>
+              </a:lnSpc>
+              <a:buFont typeface="Courier New" panose="02070309020205020404" pitchFamily="49" charset="0"/>
+              <a:buChar char="o"/>
+            </a:pPr>
+            <a:r>
+              <a:rPr lang="en-US" sz="1600">
+                <a:solidFill>
+                  <a:schemeClr val="bg2">
+                    <a:lumMod val="75000"/>
+                  </a:schemeClr>
+                </a:solidFill>
+                <a:latin typeface="Avenir Book" panose="02000503020000020003" pitchFamily="2" charset="0"/>
+              </a:rPr>
+              <a:t>DT</a:t>
+            </a:r>
+          </a:p>
+          <a:p>
+            <a:pPr marL="742950" lvl="1" indent="-285750">
+              <a:lnSpc>
+                <a:spcPct val="150000"/>
+              </a:lnSpc>
+              <a:buFont typeface="Courier New" panose="02070309020205020404" pitchFamily="49" charset="0"/>
+              <a:buChar char="o"/>
+            </a:pPr>
+            <a:r>
+              <a:rPr lang="en-US" sz="1600">
+                <a:solidFill>
+                  <a:schemeClr val="bg2">
+                    <a:lumMod val="75000"/>
+                  </a:schemeClr>
+                </a:solidFill>
+                <a:latin typeface="Avenir Book" panose="02000503020000020003" pitchFamily="2" charset="0"/>
+              </a:rPr>
+              <a:t>RF</a:t>
+            </a:r>
+          </a:p>
+          <a:p>
+            <a:pPr marL="742950" lvl="1" indent="-285750">
+              <a:lnSpc>
+                <a:spcPct val="150000"/>
+              </a:lnSpc>
+              <a:buFont typeface="Courier New" panose="02070309020205020404" pitchFamily="49" charset="0"/>
+              <a:buChar char="o"/>
+            </a:pPr>
+            <a:r>
+              <a:rPr lang="en-US" sz="1600">
+                <a:solidFill>
+                  <a:schemeClr val="bg2">
+                    <a:lumMod val="75000"/>
+                  </a:schemeClr>
+                </a:solidFill>
+                <a:latin typeface="Avenir Book" panose="02000503020000020003" pitchFamily="2" charset="0"/>
+              </a:rPr>
+              <a:t>GBDT</a:t>
+            </a:r>
+          </a:p>
+          <a:p>
+            <a:pPr marL="742950" lvl="1" indent="-285750">
+              <a:lnSpc>
+                <a:spcPct val="150000"/>
+              </a:lnSpc>
+              <a:buFont typeface="Courier New" panose="02070309020205020404" pitchFamily="49" charset="0"/>
+              <a:buChar char="o"/>
+            </a:pPr>
+            <a:r>
+              <a:rPr lang="en-US" sz="1600">
+                <a:solidFill>
+                  <a:schemeClr val="bg2">
+                    <a:lumMod val="75000"/>
+                  </a:schemeClr>
+                </a:solidFill>
+                <a:latin typeface="Avenir Book" panose="02000503020000020003" pitchFamily="2" charset="0"/>
+              </a:rPr>
+              <a:t>SVM</a:t>
+            </a:r>
+          </a:p>
+          <a:p>
+            <a:pPr marL="742950" lvl="1" indent="-285750">
+              <a:lnSpc>
+                <a:spcPct val="150000"/>
+              </a:lnSpc>
+              <a:buFont typeface="Courier New" panose="02070309020205020404" pitchFamily="49" charset="0"/>
+              <a:buChar char="o"/>
+            </a:pPr>
+            <a:r>
+              <a:rPr lang="en-US" sz="1600">
+                <a:solidFill>
+                  <a:schemeClr val="bg2">
+                    <a:lumMod val="75000"/>
+                  </a:schemeClr>
+                </a:solidFill>
+                <a:latin typeface="Avenir Book" panose="02000503020000020003" pitchFamily="2" charset="0"/>
+              </a:rPr>
+              <a:t>kNN</a:t>
+            </a:r>
+          </a:p>
+          <a:p>
+            <a:pPr marL="742950" lvl="1" indent="-285750">
+              <a:lnSpc>
+                <a:spcPct val="150000"/>
+              </a:lnSpc>
+              <a:buFont typeface="Courier New" panose="02070309020205020404" pitchFamily="49" charset="0"/>
+              <a:buChar char="o"/>
+            </a:pPr>
+            <a:r>
+              <a:rPr lang="en-US" sz="1600">
+                <a:solidFill>
+                  <a:schemeClr val="bg2">
+                    <a:lumMod val="75000"/>
+                  </a:schemeClr>
+                </a:solidFill>
+                <a:latin typeface="Avenir Book" panose="02000503020000020003" pitchFamily="2" charset="0"/>
+              </a:rPr>
+              <a:t>ANN</a:t>
+            </a:r>
+          </a:p>
+        </p:txBody>
+      </p:sp>
+      <p:pic>
+        <p:nvPicPr>
+          <p:cNvPr id="5" name="Picture 4">
+            <a:extLst>
+              <a:ext uri="{FF2B5EF4-FFF2-40B4-BE49-F238E27FC236}">
+                <a16:creationId xmlns:a16="http://schemas.microsoft.com/office/drawing/2014/main" id="{42A5EE7B-5FEA-4D41-95F0-E502F6853F94}"/>
+              </a:ext>
+            </a:extLst>
+          </p:cNvPr>
+          <p:cNvPicPr>
+            <a:picLocks noChangeAspect="1"/>
+          </p:cNvPicPr>
+          <p:nvPr/>
+        </p:nvPicPr>
+        <p:blipFill>
+          <a:blip r:embed="rId3"/>
+          <a:stretch>
+            <a:fillRect/>
+          </a:stretch>
+        </p:blipFill>
+        <p:spPr>
+          <a:xfrm>
+            <a:off x="8020664" y="1264519"/>
+            <a:ext cx="3333136" cy="2671410"/>
+          </a:xfrm>
+          <a:prstGeom prst="rect">
+            <a:avLst/>
+          </a:prstGeom>
+        </p:spPr>
+      </p:pic>
+      <p:pic>
+        <p:nvPicPr>
+          <p:cNvPr id="10" name="Picture 9">
+            <a:extLst>
+              <a:ext uri="{FF2B5EF4-FFF2-40B4-BE49-F238E27FC236}">
+                <a16:creationId xmlns:a16="http://schemas.microsoft.com/office/drawing/2014/main" id="{37B94976-8A94-DC4E-B0A8-88789D58F2D4}"/>
+              </a:ext>
+            </a:extLst>
+          </p:cNvPr>
+          <p:cNvPicPr>
+            <a:picLocks noChangeAspect="1"/>
+          </p:cNvPicPr>
+          <p:nvPr/>
+        </p:nvPicPr>
+        <p:blipFill>
+          <a:blip r:embed="rId4"/>
+          <a:stretch>
+            <a:fillRect/>
+          </a:stretch>
+        </p:blipFill>
+        <p:spPr>
+          <a:xfrm>
+            <a:off x="9016183" y="3855790"/>
+            <a:ext cx="1708355" cy="570927"/>
+          </a:xfrm>
+          <a:prstGeom prst="rect">
+            <a:avLst/>
+          </a:prstGeom>
+        </p:spPr>
+      </p:pic>
+      <p:pic>
+        <p:nvPicPr>
+          <p:cNvPr id="12" name="Picture 11">
+            <a:extLst>
+              <a:ext uri="{FF2B5EF4-FFF2-40B4-BE49-F238E27FC236}">
+                <a16:creationId xmlns:a16="http://schemas.microsoft.com/office/drawing/2014/main" id="{353A4909-549C-0249-8D81-A6E66570E63C}"/>
+              </a:ext>
+            </a:extLst>
+          </p:cNvPr>
+          <p:cNvPicPr>
+            <a:picLocks noChangeAspect="1"/>
+          </p:cNvPicPr>
+          <p:nvPr/>
+        </p:nvPicPr>
+        <p:blipFill rotWithShape="1">
+          <a:blip r:embed="rId5"/>
+          <a:srcRect t="10569" b="10211"/>
+          <a:stretch/>
+        </p:blipFill>
+        <p:spPr>
+          <a:xfrm>
+            <a:off x="2756925" y="4069580"/>
+            <a:ext cx="3820857" cy="350824"/>
+          </a:xfrm>
+          <a:prstGeom prst="rect">
+            <a:avLst/>
+          </a:prstGeom>
+        </p:spPr>
+      </p:pic>
+      <p:pic>
+        <p:nvPicPr>
+          <p:cNvPr id="14" name="Picture 13">
+            <a:extLst>
+              <a:ext uri="{FF2B5EF4-FFF2-40B4-BE49-F238E27FC236}">
+                <a16:creationId xmlns:a16="http://schemas.microsoft.com/office/drawing/2014/main" id="{FBD6CD8E-8E03-524E-B08D-FA70FFC13712}"/>
+              </a:ext>
+            </a:extLst>
+          </p:cNvPr>
+          <p:cNvPicPr>
+            <a:picLocks noChangeAspect="1"/>
+          </p:cNvPicPr>
+          <p:nvPr/>
+        </p:nvPicPr>
+        <p:blipFill>
+          <a:blip r:embed="rId6"/>
+          <a:stretch>
+            <a:fillRect/>
+          </a:stretch>
+        </p:blipFill>
+        <p:spPr>
+          <a:xfrm>
+            <a:off x="2724969" y="4596869"/>
+            <a:ext cx="3554977" cy="314312"/>
+          </a:xfrm>
+          <a:prstGeom prst="rect">
+            <a:avLst/>
+          </a:prstGeom>
+        </p:spPr>
+      </p:pic>
+      <p:pic>
+        <p:nvPicPr>
+          <p:cNvPr id="16" name="Picture 15">
+            <a:extLst>
+              <a:ext uri="{FF2B5EF4-FFF2-40B4-BE49-F238E27FC236}">
+                <a16:creationId xmlns:a16="http://schemas.microsoft.com/office/drawing/2014/main" id="{52E91965-28FF-BE48-980D-CC0EC61DA213}"/>
+              </a:ext>
+            </a:extLst>
+          </p:cNvPr>
+          <p:cNvPicPr>
+            <a:picLocks noChangeAspect="1"/>
+          </p:cNvPicPr>
+          <p:nvPr/>
+        </p:nvPicPr>
+        <p:blipFill>
+          <a:blip r:embed="rId7"/>
+          <a:stretch>
+            <a:fillRect/>
+          </a:stretch>
+        </p:blipFill>
+        <p:spPr>
+          <a:xfrm>
+            <a:off x="2638734" y="5092308"/>
+            <a:ext cx="5261076" cy="368818"/>
+          </a:xfrm>
+          <a:prstGeom prst="rect">
+            <a:avLst/>
+          </a:prstGeom>
+        </p:spPr>
+      </p:pic>
+      <p:pic>
+        <p:nvPicPr>
+          <p:cNvPr id="18" name="Picture 17">
+            <a:extLst>
+              <a:ext uri="{FF2B5EF4-FFF2-40B4-BE49-F238E27FC236}">
+                <a16:creationId xmlns:a16="http://schemas.microsoft.com/office/drawing/2014/main" id="{BBEBDE0F-C19A-F742-BC23-81F90805C80B}"/>
+              </a:ext>
+            </a:extLst>
+          </p:cNvPr>
+          <p:cNvPicPr>
+            <a:picLocks noChangeAspect="1"/>
+          </p:cNvPicPr>
+          <p:nvPr/>
+        </p:nvPicPr>
+        <p:blipFill>
+          <a:blip r:embed="rId8"/>
+          <a:stretch>
+            <a:fillRect/>
+          </a:stretch>
+        </p:blipFill>
+        <p:spPr>
+          <a:xfrm>
+            <a:off x="2638734" y="5681384"/>
+            <a:ext cx="7685137" cy="364381"/>
+          </a:xfrm>
+          <a:prstGeom prst="rect">
+            <a:avLst/>
+          </a:prstGeom>
+        </p:spPr>
+      </p:pic>
+      <p:sp>
+        <p:nvSpPr>
+          <p:cNvPr id="19" name="TextBox 18">
+            <a:extLst>
+              <a:ext uri="{FF2B5EF4-FFF2-40B4-BE49-F238E27FC236}">
+                <a16:creationId xmlns:a16="http://schemas.microsoft.com/office/drawing/2014/main" id="{7D10E103-AE55-964A-84A1-B89C8F36E404}"/>
+              </a:ext>
+            </a:extLst>
+          </p:cNvPr>
+          <p:cNvSpPr txBox="1"/>
+          <p:nvPr/>
+        </p:nvSpPr>
+        <p:spPr>
+          <a:xfrm>
+            <a:off x="3647768" y="1425677"/>
+            <a:ext cx="1750800" cy="923330"/>
+          </a:xfrm>
+          <a:prstGeom prst="rect">
+            <a:avLst/>
+          </a:prstGeom>
+          <a:noFill/>
+        </p:spPr>
+        <p:txBody>
+          <a:bodyPr wrap="none" rtlCol="0">
+            <a:spAutoFit/>
+          </a:bodyPr>
+          <a:lstStyle/>
+          <a:p>
+            <a:r>
+              <a:rPr lang="en-US">
+                <a:latin typeface="Avenir Book" panose="02000503020000020003" pitchFamily="2" charset="0"/>
+              </a:rPr>
+              <a:t>10 Coin tosses:</a:t>
+            </a:r>
+          </a:p>
+          <a:p>
+            <a:pPr marL="742950" lvl="1" indent="-285750">
+              <a:buFont typeface="Arial" panose="020B0604020202020204" pitchFamily="34" charset="0"/>
+              <a:buChar char="•"/>
+            </a:pPr>
+            <a:r>
+              <a:rPr lang="en-US">
+                <a:latin typeface="Avenir Book" panose="02000503020000020003" pitchFamily="2" charset="0"/>
+              </a:rPr>
+              <a:t>6 H</a:t>
+            </a:r>
+          </a:p>
+          <a:p>
+            <a:pPr marL="742950" lvl="1" indent="-285750">
+              <a:buFont typeface="Arial" panose="020B0604020202020204" pitchFamily="34" charset="0"/>
+              <a:buChar char="•"/>
+            </a:pPr>
+            <a:r>
+              <a:rPr lang="en-US">
+                <a:latin typeface="Avenir Book" panose="02000503020000020003" pitchFamily="2" charset="0"/>
+              </a:rPr>
+              <a:t>4 T</a:t>
+            </a:r>
+          </a:p>
+        </p:txBody>
+      </p:sp>
+      <p:pic>
+        <p:nvPicPr>
+          <p:cNvPr id="21" name="Picture 20">
+            <a:extLst>
+              <a:ext uri="{FF2B5EF4-FFF2-40B4-BE49-F238E27FC236}">
+                <a16:creationId xmlns:a16="http://schemas.microsoft.com/office/drawing/2014/main" id="{591FF8D4-44BC-F541-8F9C-276EDE3C7193}"/>
+              </a:ext>
+            </a:extLst>
+          </p:cNvPr>
+          <p:cNvPicPr>
+            <a:picLocks noChangeAspect="1"/>
+          </p:cNvPicPr>
+          <p:nvPr/>
+        </p:nvPicPr>
+        <p:blipFill>
+          <a:blip r:embed="rId9"/>
+          <a:stretch>
+            <a:fillRect/>
+          </a:stretch>
+        </p:blipFill>
+        <p:spPr>
+          <a:xfrm>
+            <a:off x="2748337" y="2393853"/>
+            <a:ext cx="1754120" cy="350824"/>
+          </a:xfrm>
+          <a:prstGeom prst="rect">
+            <a:avLst/>
+          </a:prstGeom>
+        </p:spPr>
+      </p:pic>
+      <p:pic>
+        <p:nvPicPr>
+          <p:cNvPr id="23" name="Picture 22">
+            <a:extLst>
+              <a:ext uri="{FF2B5EF4-FFF2-40B4-BE49-F238E27FC236}">
+                <a16:creationId xmlns:a16="http://schemas.microsoft.com/office/drawing/2014/main" id="{E94D2CFE-FFFA-7749-AB3C-82C35581AB97}"/>
+              </a:ext>
+            </a:extLst>
+          </p:cNvPr>
+          <p:cNvPicPr>
+            <a:picLocks noChangeAspect="1"/>
+          </p:cNvPicPr>
+          <p:nvPr/>
+        </p:nvPicPr>
+        <p:blipFill rotWithShape="1">
+          <a:blip r:embed="rId10"/>
+          <a:srcRect b="6506"/>
+          <a:stretch/>
+        </p:blipFill>
+        <p:spPr>
+          <a:xfrm>
+            <a:off x="2748337" y="2764243"/>
+            <a:ext cx="4055292" cy="326353"/>
+          </a:xfrm>
+          <a:prstGeom prst="rect">
+            <a:avLst/>
+          </a:prstGeom>
+        </p:spPr>
+      </p:pic>
+      <p:pic>
+        <p:nvPicPr>
+          <p:cNvPr id="25" name="Picture 24">
+            <a:extLst>
+              <a:ext uri="{FF2B5EF4-FFF2-40B4-BE49-F238E27FC236}">
+                <a16:creationId xmlns:a16="http://schemas.microsoft.com/office/drawing/2014/main" id="{10C28F33-BBFB-A44C-9BE5-06B78DC69487}"/>
+              </a:ext>
+            </a:extLst>
+          </p:cNvPr>
+          <p:cNvPicPr>
+            <a:picLocks noChangeAspect="1"/>
+          </p:cNvPicPr>
+          <p:nvPr/>
+        </p:nvPicPr>
+        <p:blipFill>
+          <a:blip r:embed="rId11"/>
+          <a:stretch>
+            <a:fillRect/>
+          </a:stretch>
+        </p:blipFill>
+        <p:spPr>
+          <a:xfrm>
+            <a:off x="2756924" y="3173855"/>
+            <a:ext cx="1356401" cy="326352"/>
+          </a:xfrm>
+          <a:prstGeom prst="rect">
+            <a:avLst/>
+          </a:prstGeom>
+        </p:spPr>
+      </p:pic>
+    </p:spTree>
+    <p:extLst>
+      <p:ext uri="{BB962C8B-B14F-4D97-AF65-F5344CB8AC3E}">
+        <p14:creationId xmlns:p14="http://schemas.microsoft.com/office/powerpoint/2010/main" val="3232925655"/>
+      </p:ext>
+    </p:extLst>
+  </p:cSld>
+  <p:clrMapOvr>
+    <a:masterClrMapping/>
+  </p:clrMapOvr>
+</p:sld>
+</file>
+
+<file path=ppt/slides/slide17.xml><?xml version="1.0" encoding="utf-8"?>
+<p:sld xmlns:a="http://schemas.openxmlformats.org/drawingml/2006/main" xmlns:r="http://schemas.openxmlformats.org/officeDocument/2006/relationships" xmlns:p="http://schemas.openxmlformats.org/presentationml/2006/main">
+  <p:cSld>
+    <p:spTree>
+      <p:nvGrpSpPr>
+        <p:cNvPr id="1" name=""/>
+        <p:cNvGrpSpPr/>
+        <p:nvPr/>
+      </p:nvGrpSpPr>
+      <p:grpSpPr>
+        <a:xfrm>
+          <a:off x="0" y="0"/>
+          <a:ext cx="0" cy="0"/>
+          <a:chOff x="0" y="0"/>
+          <a:chExt cx="0" cy="0"/>
+        </a:xfrm>
+      </p:grpSpPr>
+      <p:sp>
+        <p:nvSpPr>
+          <p:cNvPr id="4" name="Title 1">
+            <a:extLst>
+              <a:ext uri="{FF2B5EF4-FFF2-40B4-BE49-F238E27FC236}">
+                <a16:creationId xmlns:a16="http://schemas.microsoft.com/office/drawing/2014/main" id="{E5B55D2A-BB9B-4447-8755-EA7177571C9A}"/>
+              </a:ext>
+            </a:extLst>
+          </p:cNvPr>
+          <p:cNvSpPr>
+            <a:spLocks noGrp="1"/>
+          </p:cNvSpPr>
+          <p:nvPr>
+            <p:ph type="title"/>
+          </p:nvPr>
+        </p:nvSpPr>
+        <p:spPr>
+          <a:xfrm>
+            <a:off x="838200" y="365125"/>
+            <a:ext cx="10515600" cy="1325563"/>
+          </a:xfrm>
+        </p:spPr>
+        <p:txBody>
+          <a:bodyPr>
+            <a:normAutofit/>
+          </a:bodyPr>
+          <a:lstStyle/>
+          <a:p>
+            <a:r>
+              <a:rPr lang="en-US" sz="3600" b="1">
+                <a:latin typeface="Avenir Book" panose="02000503020000020003" pitchFamily="2" charset="0"/>
+              </a:rPr>
+              <a:t>Models</a:t>
+            </a:r>
+            <a:endParaRPr lang="en-US" sz="3600" baseline="-25000"/>
+          </a:p>
+        </p:txBody>
+      </p:sp>
+      <p:sp>
+        <p:nvSpPr>
+          <p:cNvPr id="6" name="TextBox 5">
+            <a:extLst>
+              <a:ext uri="{FF2B5EF4-FFF2-40B4-BE49-F238E27FC236}">
+                <a16:creationId xmlns:a16="http://schemas.microsoft.com/office/drawing/2014/main" id="{59F8B032-B20E-CD49-87AF-1304DDFD3D27}"/>
+              </a:ext>
+            </a:extLst>
+          </p:cNvPr>
+          <p:cNvSpPr txBox="1"/>
+          <p:nvPr/>
+        </p:nvSpPr>
+        <p:spPr>
+          <a:xfrm>
+            <a:off x="265471" y="1690688"/>
+            <a:ext cx="2910348" cy="4123052"/>
+          </a:xfrm>
+          <a:prstGeom prst="rect">
+            <a:avLst/>
+          </a:prstGeom>
+          <a:noFill/>
+        </p:spPr>
+        <p:txBody>
+          <a:bodyPr wrap="square" rtlCol="0">
+            <a:spAutoFit/>
+          </a:bodyPr>
+          <a:lstStyle/>
+          <a:p>
+            <a:pPr marL="285750" indent="-285750">
+              <a:lnSpc>
+                <a:spcPct val="150000"/>
+              </a:lnSpc>
+              <a:buFont typeface="Arial" panose="020B0604020202020204" pitchFamily="34" charset="0"/>
+              <a:buChar char="•"/>
+            </a:pPr>
+            <a:r>
+              <a:rPr lang="en-US" sz="1600" b="1">
+                <a:solidFill>
+                  <a:schemeClr val="bg2">
+                    <a:lumMod val="75000"/>
+                  </a:schemeClr>
+                </a:solidFill>
+                <a:latin typeface="Avenir Book" panose="02000503020000020003" pitchFamily="2" charset="0"/>
+              </a:rPr>
+              <a:t>Unsupervised</a:t>
+            </a:r>
+          </a:p>
+          <a:p>
+            <a:pPr marL="742950" lvl="1" indent="-285750">
+              <a:lnSpc>
+                <a:spcPct val="150000"/>
+              </a:lnSpc>
+              <a:buFont typeface="Courier New" panose="02070309020205020404" pitchFamily="49" charset="0"/>
+              <a:buChar char="o"/>
+            </a:pPr>
+            <a:r>
+              <a:rPr lang="en-US" sz="1600">
+                <a:solidFill>
+                  <a:schemeClr val="bg2">
+                    <a:lumMod val="75000"/>
+                  </a:schemeClr>
+                </a:solidFill>
+                <a:latin typeface="Avenir Book" panose="02000503020000020003" pitchFamily="2" charset="0"/>
+              </a:rPr>
+              <a:t>K-Means</a:t>
+            </a:r>
+          </a:p>
+          <a:p>
+            <a:pPr marL="742950" lvl="1" indent="-285750">
+              <a:lnSpc>
+                <a:spcPct val="150000"/>
+              </a:lnSpc>
+              <a:buFont typeface="Courier New" panose="02070309020205020404" pitchFamily="49" charset="0"/>
+              <a:buChar char="o"/>
+            </a:pPr>
+            <a:r>
+              <a:rPr lang="en-US" sz="1600">
+                <a:solidFill>
+                  <a:schemeClr val="bg2">
+                    <a:lumMod val="75000"/>
+                  </a:schemeClr>
+                </a:solidFill>
+                <a:latin typeface="Avenir Book" panose="02000503020000020003" pitchFamily="2" charset="0"/>
+              </a:rPr>
+              <a:t>SOM</a:t>
+            </a:r>
+          </a:p>
+          <a:p>
+            <a:pPr marL="285750" indent="-285750">
+              <a:lnSpc>
+                <a:spcPct val="150000"/>
+              </a:lnSpc>
+              <a:buFont typeface="Arial" panose="020B0604020202020204" pitchFamily="34" charset="0"/>
+              <a:buChar char="•"/>
+            </a:pPr>
+            <a:r>
+              <a:rPr lang="en-US" sz="1600" b="1">
+                <a:latin typeface="Avenir Book" panose="02000503020000020003" pitchFamily="2" charset="0"/>
+              </a:rPr>
+              <a:t>Supervised</a:t>
+            </a:r>
+          </a:p>
+          <a:p>
+            <a:pPr marL="742950" lvl="1" indent="-285750">
+              <a:lnSpc>
+                <a:spcPct val="150000"/>
+              </a:lnSpc>
+              <a:buFont typeface="Courier New" panose="02070309020205020404" pitchFamily="49" charset="0"/>
+              <a:buChar char="o"/>
+            </a:pPr>
+            <a:r>
+              <a:rPr lang="en-US" sz="1600">
+                <a:solidFill>
+                  <a:schemeClr val="bg2">
+                    <a:lumMod val="75000"/>
+                  </a:schemeClr>
+                </a:solidFill>
+                <a:latin typeface="Avenir Book" panose="02000503020000020003" pitchFamily="2" charset="0"/>
+              </a:rPr>
+              <a:t>LR</a:t>
+            </a:r>
+          </a:p>
+          <a:p>
+            <a:pPr marL="742950" lvl="1" indent="-285750">
+              <a:lnSpc>
+                <a:spcPct val="150000"/>
+              </a:lnSpc>
+              <a:buFont typeface="Courier New" panose="02070309020205020404" pitchFamily="49" charset="0"/>
+              <a:buChar char="o"/>
+            </a:pPr>
+            <a:r>
+              <a:rPr lang="en-US" sz="1600">
+                <a:latin typeface="Avenir Book" panose="02000503020000020003" pitchFamily="2" charset="0"/>
+              </a:rPr>
+              <a:t>DT</a:t>
+            </a:r>
+          </a:p>
+          <a:p>
+            <a:pPr marL="742950" lvl="1" indent="-285750">
+              <a:lnSpc>
+                <a:spcPct val="150000"/>
+              </a:lnSpc>
+              <a:buFont typeface="Courier New" panose="02070309020205020404" pitchFamily="49" charset="0"/>
+              <a:buChar char="o"/>
+            </a:pPr>
+            <a:r>
+              <a:rPr lang="en-US" sz="1600">
+                <a:solidFill>
+                  <a:schemeClr val="bg2">
+                    <a:lumMod val="75000"/>
+                  </a:schemeClr>
+                </a:solidFill>
+                <a:latin typeface="Avenir Book" panose="02000503020000020003" pitchFamily="2" charset="0"/>
+              </a:rPr>
+              <a:t>RF</a:t>
+            </a:r>
+          </a:p>
+          <a:p>
+            <a:pPr marL="742950" lvl="1" indent="-285750">
+              <a:lnSpc>
+                <a:spcPct val="150000"/>
+              </a:lnSpc>
+              <a:buFont typeface="Courier New" panose="02070309020205020404" pitchFamily="49" charset="0"/>
+              <a:buChar char="o"/>
+            </a:pPr>
+            <a:r>
+              <a:rPr lang="en-US" sz="1600">
+                <a:solidFill>
+                  <a:schemeClr val="bg2">
+                    <a:lumMod val="75000"/>
+                  </a:schemeClr>
+                </a:solidFill>
+                <a:latin typeface="Avenir Book" panose="02000503020000020003" pitchFamily="2" charset="0"/>
+              </a:rPr>
+              <a:t>GBDT</a:t>
+            </a:r>
+          </a:p>
+          <a:p>
+            <a:pPr marL="742950" lvl="1" indent="-285750">
+              <a:lnSpc>
+                <a:spcPct val="150000"/>
+              </a:lnSpc>
+              <a:buFont typeface="Courier New" panose="02070309020205020404" pitchFamily="49" charset="0"/>
+              <a:buChar char="o"/>
+            </a:pPr>
+            <a:r>
+              <a:rPr lang="en-US" sz="1600">
+                <a:solidFill>
+                  <a:schemeClr val="bg2">
+                    <a:lumMod val="75000"/>
+                  </a:schemeClr>
+                </a:solidFill>
+                <a:latin typeface="Avenir Book" panose="02000503020000020003" pitchFamily="2" charset="0"/>
+              </a:rPr>
+              <a:t>SVM</a:t>
+            </a:r>
+          </a:p>
+          <a:p>
+            <a:pPr marL="742950" lvl="1" indent="-285750">
+              <a:lnSpc>
+                <a:spcPct val="150000"/>
+              </a:lnSpc>
+              <a:buFont typeface="Courier New" panose="02070309020205020404" pitchFamily="49" charset="0"/>
+              <a:buChar char="o"/>
+            </a:pPr>
+            <a:r>
+              <a:rPr lang="en-US" sz="1600">
+                <a:solidFill>
+                  <a:schemeClr val="bg2">
+                    <a:lumMod val="75000"/>
+                  </a:schemeClr>
+                </a:solidFill>
+                <a:latin typeface="Avenir Book" panose="02000503020000020003" pitchFamily="2" charset="0"/>
+              </a:rPr>
+              <a:t>kNN</a:t>
+            </a:r>
+          </a:p>
+          <a:p>
+            <a:pPr marL="742950" lvl="1" indent="-285750">
+              <a:lnSpc>
+                <a:spcPct val="150000"/>
+              </a:lnSpc>
+              <a:buFont typeface="Courier New" panose="02070309020205020404" pitchFamily="49" charset="0"/>
+              <a:buChar char="o"/>
+            </a:pPr>
+            <a:r>
+              <a:rPr lang="en-US" sz="1600">
+                <a:solidFill>
+                  <a:schemeClr val="bg2">
+                    <a:lumMod val="75000"/>
+                  </a:schemeClr>
+                </a:solidFill>
+                <a:latin typeface="Avenir Book" panose="02000503020000020003" pitchFamily="2" charset="0"/>
+              </a:rPr>
+              <a:t>ANN</a:t>
+            </a:r>
+          </a:p>
+        </p:txBody>
+      </p:sp>
+      <p:sp>
+        <p:nvSpPr>
+          <p:cNvPr id="2" name="Oval 1">
+            <a:extLst>
+              <a:ext uri="{FF2B5EF4-FFF2-40B4-BE49-F238E27FC236}">
+                <a16:creationId xmlns:a16="http://schemas.microsoft.com/office/drawing/2014/main" id="{1FD4FE4E-900B-8B4A-BA25-003449561F0C}"/>
+              </a:ext>
+            </a:extLst>
+          </p:cNvPr>
+          <p:cNvSpPr/>
+          <p:nvPr/>
+        </p:nvSpPr>
+        <p:spPr>
+          <a:xfrm>
+            <a:off x="5078361" y="1238865"/>
+            <a:ext cx="2035277" cy="1307690"/>
+          </a:xfrm>
+          <a:prstGeom prst="ellipse">
+            <a:avLst/>
+          </a:prstGeom>
+        </p:spPr>
+        <p:style>
+          <a:lnRef idx="2">
+            <a:schemeClr val="accent6"/>
+          </a:lnRef>
+          <a:fillRef idx="1">
+            <a:schemeClr val="lt1"/>
+          </a:fillRef>
+          <a:effectRef idx="0">
+            <a:schemeClr val="accent6"/>
+          </a:effectRef>
+          <a:fontRef idx="minor">
+            <a:schemeClr val="dk1"/>
+          </a:fontRef>
+        </p:style>
+        <p:txBody>
+          <a:bodyPr rtlCol="0" anchor="ctr"/>
+          <a:lstStyle/>
+          <a:p>
+            <a:pPr algn="ctr"/>
+            <a:r>
+              <a:rPr lang="en-US" sz="1200">
+                <a:latin typeface="Avenir Book" panose="02000503020000020003" pitchFamily="2" charset="0"/>
+              </a:rPr>
+              <a:t>credit_history &gt; 0</a:t>
+            </a:r>
+          </a:p>
+        </p:txBody>
+      </p:sp>
+      <p:sp>
+        <p:nvSpPr>
+          <p:cNvPr id="3" name="Rectangle 2">
+            <a:extLst>
+              <a:ext uri="{FF2B5EF4-FFF2-40B4-BE49-F238E27FC236}">
+                <a16:creationId xmlns:a16="http://schemas.microsoft.com/office/drawing/2014/main" id="{ECA72D1D-61F9-5948-AA9E-D48658FBCD78}"/>
+              </a:ext>
+            </a:extLst>
+          </p:cNvPr>
+          <p:cNvSpPr/>
+          <p:nvPr/>
+        </p:nvSpPr>
+        <p:spPr>
+          <a:xfrm>
+            <a:off x="5363495" y="172731"/>
+            <a:ext cx="1465007" cy="629264"/>
+          </a:xfrm>
+          <a:prstGeom prst="rect">
+            <a:avLst/>
+          </a:prstGeom>
+        </p:spPr>
+        <p:style>
+          <a:lnRef idx="2">
+            <a:schemeClr val="accent2"/>
+          </a:lnRef>
+          <a:fillRef idx="1">
+            <a:schemeClr val="lt1"/>
+          </a:fillRef>
+          <a:effectRef idx="0">
+            <a:schemeClr val="accent2"/>
+          </a:effectRef>
+          <a:fontRef idx="minor">
+            <a:schemeClr val="dk1"/>
+          </a:fontRef>
+        </p:style>
+        <p:txBody>
+          <a:bodyPr rtlCol="0" anchor="ctr"/>
+          <a:lstStyle/>
+          <a:p>
+            <a:pPr algn="ctr"/>
+            <a:r>
+              <a:rPr lang="en-US"/>
+              <a:t>Dataset</a:t>
+            </a:r>
+          </a:p>
+        </p:txBody>
+      </p:sp>
+      <p:cxnSp>
+        <p:nvCxnSpPr>
+          <p:cNvPr id="8" name="Straight Arrow Connector 7">
+            <a:extLst>
+              <a:ext uri="{FF2B5EF4-FFF2-40B4-BE49-F238E27FC236}">
+                <a16:creationId xmlns:a16="http://schemas.microsoft.com/office/drawing/2014/main" id="{59083B3F-B351-704A-B4B8-47A32B280870}"/>
+              </a:ext>
+            </a:extLst>
+          </p:cNvPr>
+          <p:cNvCxnSpPr>
+            <a:stCxn id="3" idx="2"/>
+            <a:endCxn id="2" idx="0"/>
+          </p:cNvCxnSpPr>
+          <p:nvPr/>
+        </p:nvCxnSpPr>
+        <p:spPr>
+          <a:xfrm>
+            <a:off x="6095999" y="801995"/>
+            <a:ext cx="1" cy="436870"/>
+          </a:xfrm>
+          <a:prstGeom prst="straightConnector1">
+            <a:avLst/>
+          </a:prstGeom>
+          <a:ln>
+            <a:tailEnd type="triangle"/>
+          </a:ln>
+        </p:spPr>
+        <p:style>
+          <a:lnRef idx="1">
+            <a:schemeClr val="accent1"/>
+          </a:lnRef>
+          <a:fillRef idx="0">
+            <a:schemeClr val="accent1"/>
+          </a:fillRef>
+          <a:effectRef idx="0">
+            <a:schemeClr val="accent1"/>
+          </a:effectRef>
+          <a:fontRef idx="minor">
+            <a:schemeClr val="tx1"/>
+          </a:fontRef>
+        </p:style>
+      </p:cxnSp>
+      <p:sp>
+        <p:nvSpPr>
+          <p:cNvPr id="20" name="Oval 19">
+            <a:extLst>
+              <a:ext uri="{FF2B5EF4-FFF2-40B4-BE49-F238E27FC236}">
+                <a16:creationId xmlns:a16="http://schemas.microsoft.com/office/drawing/2014/main" id="{CC3D1452-F7CE-8049-A80B-402FDA0E196A}"/>
+              </a:ext>
+            </a:extLst>
+          </p:cNvPr>
+          <p:cNvSpPr/>
+          <p:nvPr/>
+        </p:nvSpPr>
+        <p:spPr>
+          <a:xfrm>
+            <a:off x="6828502" y="3445335"/>
+            <a:ext cx="2035277" cy="1307690"/>
+          </a:xfrm>
+          <a:prstGeom prst="ellipse">
+            <a:avLst/>
+          </a:prstGeom>
+        </p:spPr>
+        <p:style>
+          <a:lnRef idx="2">
+            <a:schemeClr val="accent6"/>
+          </a:lnRef>
+          <a:fillRef idx="1">
+            <a:schemeClr val="lt1"/>
+          </a:fillRef>
+          <a:effectRef idx="0">
+            <a:schemeClr val="accent6"/>
+          </a:effectRef>
+          <a:fontRef idx="minor">
+            <a:schemeClr val="dk1"/>
+          </a:fontRef>
+        </p:style>
+        <p:txBody>
+          <a:bodyPr rtlCol="0" anchor="ctr"/>
+          <a:lstStyle/>
+          <a:p>
+            <a:pPr algn="ctr"/>
+            <a:r>
+              <a:rPr lang="en-US" sz="1200">
+                <a:latin typeface="Avenir Book" panose="02000503020000020003" pitchFamily="2" charset="0"/>
+              </a:rPr>
+              <a:t>Collateral &gt; 100M</a:t>
+            </a:r>
+          </a:p>
+        </p:txBody>
+      </p:sp>
+      <p:sp>
+        <p:nvSpPr>
+          <p:cNvPr id="22" name="Oval 21">
+            <a:extLst>
+              <a:ext uri="{FF2B5EF4-FFF2-40B4-BE49-F238E27FC236}">
+                <a16:creationId xmlns:a16="http://schemas.microsoft.com/office/drawing/2014/main" id="{DC687B23-1598-F542-A26E-55D5BD6913ED}"/>
+              </a:ext>
+            </a:extLst>
+          </p:cNvPr>
+          <p:cNvSpPr/>
+          <p:nvPr/>
+        </p:nvSpPr>
+        <p:spPr>
+          <a:xfrm>
+            <a:off x="3328218" y="3460289"/>
+            <a:ext cx="2035277" cy="1307690"/>
+          </a:xfrm>
+          <a:prstGeom prst="ellipse">
+            <a:avLst/>
+          </a:prstGeom>
+        </p:spPr>
+        <p:style>
+          <a:lnRef idx="2">
+            <a:schemeClr val="accent6"/>
+          </a:lnRef>
+          <a:fillRef idx="1">
+            <a:schemeClr val="lt1"/>
+          </a:fillRef>
+          <a:effectRef idx="0">
+            <a:schemeClr val="accent6"/>
+          </a:effectRef>
+          <a:fontRef idx="minor">
+            <a:schemeClr val="dk1"/>
+          </a:fontRef>
+        </p:style>
+        <p:txBody>
+          <a:bodyPr rtlCol="0" anchor="ctr"/>
+          <a:lstStyle/>
+          <a:p>
+            <a:pPr algn="ctr"/>
+            <a:r>
+              <a:rPr lang="en-US" sz="1200">
+                <a:latin typeface="Avenir Book" panose="02000503020000020003" pitchFamily="2" charset="0"/>
+              </a:rPr>
+              <a:t>Age &gt; 35</a:t>
+            </a:r>
+          </a:p>
+        </p:txBody>
+      </p:sp>
+      <p:cxnSp>
+        <p:nvCxnSpPr>
+          <p:cNvPr id="27" name="Straight Arrow Connector 26">
+            <a:extLst>
+              <a:ext uri="{FF2B5EF4-FFF2-40B4-BE49-F238E27FC236}">
+                <a16:creationId xmlns:a16="http://schemas.microsoft.com/office/drawing/2014/main" id="{F86BBB96-71C2-AD4C-977F-109AEA1BDF5D}"/>
+              </a:ext>
+            </a:extLst>
+          </p:cNvPr>
+          <p:cNvCxnSpPr>
+            <a:cxnSpLocks/>
+            <a:stCxn id="2" idx="3"/>
+            <a:endCxn id="22" idx="0"/>
+          </p:cNvCxnSpPr>
+          <p:nvPr/>
+        </p:nvCxnSpPr>
+        <p:spPr>
+          <a:xfrm flipH="1">
+            <a:off x="4345857" y="2355048"/>
+            <a:ext cx="1030563" cy="1105241"/>
+          </a:xfrm>
+          <a:prstGeom prst="straightConnector1">
+            <a:avLst/>
+          </a:prstGeom>
+          <a:ln>
+            <a:tailEnd type="triangle"/>
+          </a:ln>
+        </p:spPr>
+        <p:style>
+          <a:lnRef idx="1">
+            <a:schemeClr val="accent1"/>
+          </a:lnRef>
+          <a:fillRef idx="0">
+            <a:schemeClr val="accent1"/>
+          </a:fillRef>
+          <a:effectRef idx="0">
+            <a:schemeClr val="accent1"/>
+          </a:effectRef>
+          <a:fontRef idx="minor">
+            <a:schemeClr val="tx1"/>
+          </a:fontRef>
+        </p:style>
+      </p:cxnSp>
+      <p:cxnSp>
+        <p:nvCxnSpPr>
+          <p:cNvPr id="28" name="Straight Arrow Connector 27">
+            <a:extLst>
+              <a:ext uri="{FF2B5EF4-FFF2-40B4-BE49-F238E27FC236}">
+                <a16:creationId xmlns:a16="http://schemas.microsoft.com/office/drawing/2014/main" id="{48224A4E-86CF-374C-87CE-148D7D33C0B6}"/>
+              </a:ext>
+            </a:extLst>
+          </p:cNvPr>
+          <p:cNvCxnSpPr>
+            <a:cxnSpLocks/>
+            <a:stCxn id="2" idx="5"/>
+            <a:endCxn id="20" idx="0"/>
+          </p:cNvCxnSpPr>
+          <p:nvPr/>
+        </p:nvCxnSpPr>
+        <p:spPr>
+          <a:xfrm>
+            <a:off x="6815579" y="2355048"/>
+            <a:ext cx="1030562" cy="1090287"/>
+          </a:xfrm>
+          <a:prstGeom prst="straightConnector1">
+            <a:avLst/>
+          </a:prstGeom>
+          <a:ln>
+            <a:tailEnd type="triangle"/>
+          </a:ln>
+        </p:spPr>
+        <p:style>
+          <a:lnRef idx="1">
+            <a:schemeClr val="accent1"/>
+          </a:lnRef>
+          <a:fillRef idx="0">
+            <a:schemeClr val="accent1"/>
+          </a:fillRef>
+          <a:effectRef idx="0">
+            <a:schemeClr val="accent1"/>
+          </a:effectRef>
+          <a:fontRef idx="minor">
+            <a:schemeClr val="tx1"/>
+          </a:fontRef>
+        </p:style>
+      </p:cxnSp>
+      <p:cxnSp>
+        <p:nvCxnSpPr>
+          <p:cNvPr id="30" name="Straight Arrow Connector 29">
+            <a:extLst>
+              <a:ext uri="{FF2B5EF4-FFF2-40B4-BE49-F238E27FC236}">
+                <a16:creationId xmlns:a16="http://schemas.microsoft.com/office/drawing/2014/main" id="{DC21EED5-A629-C84A-9D83-8BC178ECAE4A}"/>
+              </a:ext>
+            </a:extLst>
+          </p:cNvPr>
+          <p:cNvCxnSpPr>
+            <a:cxnSpLocks/>
+            <a:stCxn id="22" idx="3"/>
+          </p:cNvCxnSpPr>
+          <p:nvPr/>
+        </p:nvCxnSpPr>
+        <p:spPr>
+          <a:xfrm flipH="1">
+            <a:off x="2730275" y="4576472"/>
+            <a:ext cx="896002" cy="1513946"/>
+          </a:xfrm>
+          <a:prstGeom prst="straightConnector1">
+            <a:avLst/>
+          </a:prstGeom>
+          <a:ln>
+            <a:tailEnd type="triangle"/>
+          </a:ln>
+        </p:spPr>
+        <p:style>
+          <a:lnRef idx="1">
+            <a:schemeClr val="accent1"/>
+          </a:lnRef>
+          <a:fillRef idx="0">
+            <a:schemeClr val="accent1"/>
+          </a:fillRef>
+          <a:effectRef idx="0">
+            <a:schemeClr val="accent1"/>
+          </a:effectRef>
+          <a:fontRef idx="minor">
+            <a:schemeClr val="tx1"/>
+          </a:fontRef>
+        </p:style>
+      </p:cxnSp>
+      <p:cxnSp>
+        <p:nvCxnSpPr>
+          <p:cNvPr id="32" name="Straight Arrow Connector 31">
+            <a:extLst>
+              <a:ext uri="{FF2B5EF4-FFF2-40B4-BE49-F238E27FC236}">
+                <a16:creationId xmlns:a16="http://schemas.microsoft.com/office/drawing/2014/main" id="{BA8F635D-62DA-8845-8D77-C85FC1D52B6A}"/>
+              </a:ext>
+            </a:extLst>
+          </p:cNvPr>
+          <p:cNvCxnSpPr>
+            <a:cxnSpLocks/>
+            <a:stCxn id="22" idx="5"/>
+          </p:cNvCxnSpPr>
+          <p:nvPr/>
+        </p:nvCxnSpPr>
+        <p:spPr>
+          <a:xfrm>
+            <a:off x="5065436" y="4576472"/>
+            <a:ext cx="863416" cy="1513946"/>
+          </a:xfrm>
+          <a:prstGeom prst="straightConnector1">
+            <a:avLst/>
+          </a:prstGeom>
+          <a:ln>
+            <a:tailEnd type="triangle"/>
+          </a:ln>
+        </p:spPr>
+        <p:style>
+          <a:lnRef idx="1">
+            <a:schemeClr val="accent1"/>
+          </a:lnRef>
+          <a:fillRef idx="0">
+            <a:schemeClr val="accent1"/>
+          </a:fillRef>
+          <a:effectRef idx="0">
+            <a:schemeClr val="accent1"/>
+          </a:effectRef>
+          <a:fontRef idx="minor">
+            <a:schemeClr val="tx1"/>
+          </a:fontRef>
+        </p:style>
+      </p:cxnSp>
+      <p:sp>
+        <p:nvSpPr>
+          <p:cNvPr id="35" name="TextBox 34">
+            <a:extLst>
+              <a:ext uri="{FF2B5EF4-FFF2-40B4-BE49-F238E27FC236}">
+                <a16:creationId xmlns:a16="http://schemas.microsoft.com/office/drawing/2014/main" id="{93F71318-4644-F049-98E3-0FDBDCE3F712}"/>
+              </a:ext>
+            </a:extLst>
+          </p:cNvPr>
+          <p:cNvSpPr txBox="1"/>
+          <p:nvPr/>
+        </p:nvSpPr>
+        <p:spPr>
+          <a:xfrm>
+            <a:off x="2386911" y="6308209"/>
+            <a:ext cx="343364" cy="369332"/>
+          </a:xfrm>
+          <a:prstGeom prst="rect">
+            <a:avLst/>
+          </a:prstGeom>
+          <a:noFill/>
+        </p:spPr>
+        <p:txBody>
+          <a:bodyPr wrap="none" rtlCol="0">
+            <a:spAutoFit/>
+          </a:bodyPr>
+          <a:lstStyle/>
+          <a:p>
+            <a:r>
+              <a:rPr lang="en-US"/>
+              <a:t>…</a:t>
+            </a:r>
+          </a:p>
+        </p:txBody>
+      </p:sp>
+      <p:sp>
+        <p:nvSpPr>
+          <p:cNvPr id="36" name="TextBox 35">
+            <a:extLst>
+              <a:ext uri="{FF2B5EF4-FFF2-40B4-BE49-F238E27FC236}">
+                <a16:creationId xmlns:a16="http://schemas.microsoft.com/office/drawing/2014/main" id="{EDAFA3AA-0737-3845-952E-A5D6B2BF7976}"/>
+              </a:ext>
+            </a:extLst>
+          </p:cNvPr>
+          <p:cNvSpPr txBox="1"/>
+          <p:nvPr/>
+        </p:nvSpPr>
+        <p:spPr>
+          <a:xfrm>
+            <a:off x="5732968" y="6308209"/>
+            <a:ext cx="343364" cy="369332"/>
+          </a:xfrm>
+          <a:prstGeom prst="rect">
+            <a:avLst/>
+          </a:prstGeom>
+          <a:noFill/>
+        </p:spPr>
+        <p:txBody>
+          <a:bodyPr wrap="none" rtlCol="0">
+            <a:spAutoFit/>
+          </a:bodyPr>
+          <a:lstStyle/>
+          <a:p>
+            <a:r>
+              <a:rPr lang="en-US"/>
+              <a:t>…</a:t>
+            </a:r>
+          </a:p>
+        </p:txBody>
+      </p:sp>
+      <p:cxnSp>
+        <p:nvCxnSpPr>
+          <p:cNvPr id="37" name="Straight Arrow Connector 36">
+            <a:extLst>
+              <a:ext uri="{FF2B5EF4-FFF2-40B4-BE49-F238E27FC236}">
+                <a16:creationId xmlns:a16="http://schemas.microsoft.com/office/drawing/2014/main" id="{54ED308A-C1A0-0042-B54F-BADF9C2414BF}"/>
+              </a:ext>
+            </a:extLst>
+          </p:cNvPr>
+          <p:cNvCxnSpPr>
+            <a:cxnSpLocks/>
+          </p:cNvCxnSpPr>
+          <p:nvPr/>
+        </p:nvCxnSpPr>
+        <p:spPr>
+          <a:xfrm flipH="1">
+            <a:off x="6223820" y="4581390"/>
+            <a:ext cx="896002" cy="1513946"/>
+          </a:xfrm>
+          <a:prstGeom prst="straightConnector1">
+            <a:avLst/>
+          </a:prstGeom>
+          <a:ln>
+            <a:tailEnd type="triangle"/>
+          </a:ln>
+        </p:spPr>
+        <p:style>
+          <a:lnRef idx="1">
+            <a:schemeClr val="accent1"/>
+          </a:lnRef>
+          <a:fillRef idx="0">
+            <a:schemeClr val="accent1"/>
+          </a:fillRef>
+          <a:effectRef idx="0">
+            <a:schemeClr val="accent1"/>
+          </a:effectRef>
+          <a:fontRef idx="minor">
+            <a:schemeClr val="tx1"/>
+          </a:fontRef>
+        </p:style>
+      </p:cxnSp>
+      <p:cxnSp>
+        <p:nvCxnSpPr>
+          <p:cNvPr id="38" name="Straight Arrow Connector 37">
+            <a:extLst>
+              <a:ext uri="{FF2B5EF4-FFF2-40B4-BE49-F238E27FC236}">
+                <a16:creationId xmlns:a16="http://schemas.microsoft.com/office/drawing/2014/main" id="{3F59649B-A366-774F-8568-8BE176AEB777}"/>
+              </a:ext>
+            </a:extLst>
+          </p:cNvPr>
+          <p:cNvCxnSpPr>
+            <a:cxnSpLocks/>
+          </p:cNvCxnSpPr>
+          <p:nvPr/>
+        </p:nvCxnSpPr>
+        <p:spPr>
+          <a:xfrm>
+            <a:off x="8558981" y="4581390"/>
+            <a:ext cx="863416" cy="1513946"/>
+          </a:xfrm>
+          <a:prstGeom prst="straightConnector1">
+            <a:avLst/>
+          </a:prstGeom>
+          <a:ln>
+            <a:tailEnd type="triangle"/>
+          </a:ln>
+        </p:spPr>
+        <p:style>
+          <a:lnRef idx="1">
+            <a:schemeClr val="accent1"/>
+          </a:lnRef>
+          <a:fillRef idx="0">
+            <a:schemeClr val="accent1"/>
+          </a:fillRef>
+          <a:effectRef idx="0">
+            <a:schemeClr val="accent1"/>
+          </a:effectRef>
+          <a:fontRef idx="minor">
+            <a:schemeClr val="tx1"/>
+          </a:fontRef>
+        </p:style>
+      </p:cxnSp>
+      <p:sp>
+        <p:nvSpPr>
+          <p:cNvPr id="39" name="TextBox 38">
+            <a:extLst>
+              <a:ext uri="{FF2B5EF4-FFF2-40B4-BE49-F238E27FC236}">
+                <a16:creationId xmlns:a16="http://schemas.microsoft.com/office/drawing/2014/main" id="{27581C27-D239-1643-8A42-ADDE4DCCE65D}"/>
+              </a:ext>
+            </a:extLst>
+          </p:cNvPr>
+          <p:cNvSpPr txBox="1"/>
+          <p:nvPr/>
+        </p:nvSpPr>
+        <p:spPr>
+          <a:xfrm>
+            <a:off x="6095998" y="6308209"/>
+            <a:ext cx="343364" cy="369332"/>
+          </a:xfrm>
+          <a:prstGeom prst="rect">
+            <a:avLst/>
+          </a:prstGeom>
+          <a:noFill/>
+        </p:spPr>
+        <p:txBody>
+          <a:bodyPr wrap="none" rtlCol="0">
+            <a:spAutoFit/>
+          </a:bodyPr>
+          <a:lstStyle/>
+          <a:p>
+            <a:r>
+              <a:rPr lang="en-US"/>
+              <a:t>…</a:t>
+            </a:r>
+          </a:p>
+        </p:txBody>
+      </p:sp>
+      <p:sp>
+        <p:nvSpPr>
+          <p:cNvPr id="40" name="TextBox 39">
+            <a:extLst>
+              <a:ext uri="{FF2B5EF4-FFF2-40B4-BE49-F238E27FC236}">
+                <a16:creationId xmlns:a16="http://schemas.microsoft.com/office/drawing/2014/main" id="{32E26C4F-A943-184C-95A7-C22A8C9BD9CA}"/>
+              </a:ext>
+            </a:extLst>
+          </p:cNvPr>
+          <p:cNvSpPr txBox="1"/>
+          <p:nvPr/>
+        </p:nvSpPr>
+        <p:spPr>
+          <a:xfrm>
+            <a:off x="9392906" y="6308209"/>
+            <a:ext cx="343364" cy="369332"/>
+          </a:xfrm>
+          <a:prstGeom prst="rect">
+            <a:avLst/>
+          </a:prstGeom>
+          <a:noFill/>
+        </p:spPr>
+        <p:txBody>
+          <a:bodyPr wrap="none" rtlCol="0">
+            <a:spAutoFit/>
+          </a:bodyPr>
+          <a:lstStyle/>
+          <a:p>
+            <a:r>
+              <a:rPr lang="en-US"/>
+              <a:t>…</a:t>
+            </a:r>
           </a:p>
         </p:txBody>
       </p:sp>
     </p:spTree>
     <p:extLst>
       <p:ext uri="{BB962C8B-B14F-4D97-AF65-F5344CB8AC3E}">
-        <p14:creationId xmlns:p14="http://schemas.microsoft.com/office/powerpoint/2010/main" val="1361333174"/>
+        <p14:creationId xmlns:p14="http://schemas.microsoft.com/office/powerpoint/2010/main" val="2718172018"/>
+      </p:ext>
+    </p:extLst>
+  </p:cSld>
+  <p:clrMapOvr>
+    <a:masterClrMapping/>
+  </p:clrMapOvr>
+</p:sld>
+</file>
+
+<file path=ppt/slides/slide18.xml><?xml version="1.0" encoding="utf-8"?>
+<p:sld xmlns:a="http://schemas.openxmlformats.org/drawingml/2006/main" xmlns:r="http://schemas.openxmlformats.org/officeDocument/2006/relationships" xmlns:p="http://schemas.openxmlformats.org/presentationml/2006/main">
+  <p:cSld>
+    <p:spTree>
+      <p:nvGrpSpPr>
+        <p:cNvPr id="1" name=""/>
+        <p:cNvGrpSpPr/>
+        <p:nvPr/>
+      </p:nvGrpSpPr>
+      <p:grpSpPr>
+        <a:xfrm>
+          <a:off x="0" y="0"/>
+          <a:ext cx="0" cy="0"/>
+          <a:chOff x="0" y="0"/>
+          <a:chExt cx="0" cy="0"/>
+        </a:xfrm>
+      </p:grpSpPr>
+      <p:sp>
+        <p:nvSpPr>
+          <p:cNvPr id="4" name="Title 1">
+            <a:extLst>
+              <a:ext uri="{FF2B5EF4-FFF2-40B4-BE49-F238E27FC236}">
+                <a16:creationId xmlns:a16="http://schemas.microsoft.com/office/drawing/2014/main" id="{E5B55D2A-BB9B-4447-8755-EA7177571C9A}"/>
+              </a:ext>
+            </a:extLst>
+          </p:cNvPr>
+          <p:cNvSpPr>
+            <a:spLocks noGrp="1"/>
+          </p:cNvSpPr>
+          <p:nvPr>
+            <p:ph type="title"/>
+          </p:nvPr>
+        </p:nvSpPr>
+        <p:spPr>
+          <a:xfrm>
+            <a:off x="838200" y="365125"/>
+            <a:ext cx="10515600" cy="1325563"/>
+          </a:xfrm>
+        </p:spPr>
+        <p:txBody>
+          <a:bodyPr>
+            <a:normAutofit/>
+          </a:bodyPr>
+          <a:lstStyle/>
+          <a:p>
+            <a:r>
+              <a:rPr lang="en-US" sz="3600" b="1">
+                <a:latin typeface="Avenir Book" panose="02000503020000020003" pitchFamily="2" charset="0"/>
+              </a:rPr>
+              <a:t>Models</a:t>
+            </a:r>
+            <a:endParaRPr lang="en-US" sz="3600" baseline="-25000"/>
+          </a:p>
+        </p:txBody>
+      </p:sp>
+      <p:sp>
+        <p:nvSpPr>
+          <p:cNvPr id="6" name="TextBox 5">
+            <a:extLst>
+              <a:ext uri="{FF2B5EF4-FFF2-40B4-BE49-F238E27FC236}">
+                <a16:creationId xmlns:a16="http://schemas.microsoft.com/office/drawing/2014/main" id="{59F8B032-B20E-CD49-87AF-1304DDFD3D27}"/>
+              </a:ext>
+            </a:extLst>
+          </p:cNvPr>
+          <p:cNvSpPr txBox="1"/>
+          <p:nvPr/>
+        </p:nvSpPr>
+        <p:spPr>
+          <a:xfrm>
+            <a:off x="265471" y="1690688"/>
+            <a:ext cx="2910348" cy="4123052"/>
+          </a:xfrm>
+          <a:prstGeom prst="rect">
+            <a:avLst/>
+          </a:prstGeom>
+          <a:noFill/>
+        </p:spPr>
+        <p:txBody>
+          <a:bodyPr wrap="square" rtlCol="0">
+            <a:spAutoFit/>
+          </a:bodyPr>
+          <a:lstStyle/>
+          <a:p>
+            <a:pPr marL="285750" indent="-285750">
+              <a:lnSpc>
+                <a:spcPct val="150000"/>
+              </a:lnSpc>
+              <a:buFont typeface="Arial" panose="020B0604020202020204" pitchFamily="34" charset="0"/>
+              <a:buChar char="•"/>
+            </a:pPr>
+            <a:r>
+              <a:rPr lang="en-US" sz="1600" b="1">
+                <a:solidFill>
+                  <a:schemeClr val="bg2">
+                    <a:lumMod val="75000"/>
+                  </a:schemeClr>
+                </a:solidFill>
+                <a:latin typeface="Avenir Book" panose="02000503020000020003" pitchFamily="2" charset="0"/>
+              </a:rPr>
+              <a:t>Unsupervised</a:t>
+            </a:r>
+          </a:p>
+          <a:p>
+            <a:pPr marL="742950" lvl="1" indent="-285750">
+              <a:lnSpc>
+                <a:spcPct val="150000"/>
+              </a:lnSpc>
+              <a:buFont typeface="Courier New" panose="02070309020205020404" pitchFamily="49" charset="0"/>
+              <a:buChar char="o"/>
+            </a:pPr>
+            <a:r>
+              <a:rPr lang="en-US" sz="1600">
+                <a:solidFill>
+                  <a:schemeClr val="bg2">
+                    <a:lumMod val="75000"/>
+                  </a:schemeClr>
+                </a:solidFill>
+                <a:latin typeface="Avenir Book" panose="02000503020000020003" pitchFamily="2" charset="0"/>
+              </a:rPr>
+              <a:t>K-Means</a:t>
+            </a:r>
+          </a:p>
+          <a:p>
+            <a:pPr marL="742950" lvl="1" indent="-285750">
+              <a:lnSpc>
+                <a:spcPct val="150000"/>
+              </a:lnSpc>
+              <a:buFont typeface="Courier New" panose="02070309020205020404" pitchFamily="49" charset="0"/>
+              <a:buChar char="o"/>
+            </a:pPr>
+            <a:r>
+              <a:rPr lang="en-US" sz="1600">
+                <a:solidFill>
+                  <a:schemeClr val="bg2">
+                    <a:lumMod val="75000"/>
+                  </a:schemeClr>
+                </a:solidFill>
+                <a:latin typeface="Avenir Book" panose="02000503020000020003" pitchFamily="2" charset="0"/>
+              </a:rPr>
+              <a:t>SOM</a:t>
+            </a:r>
+          </a:p>
+          <a:p>
+            <a:pPr marL="285750" indent="-285750">
+              <a:lnSpc>
+                <a:spcPct val="150000"/>
+              </a:lnSpc>
+              <a:buFont typeface="Arial" panose="020B0604020202020204" pitchFamily="34" charset="0"/>
+              <a:buChar char="•"/>
+            </a:pPr>
+            <a:r>
+              <a:rPr lang="en-US" sz="1600" b="1">
+                <a:latin typeface="Avenir Book" panose="02000503020000020003" pitchFamily="2" charset="0"/>
+              </a:rPr>
+              <a:t>Supervised</a:t>
+            </a:r>
+          </a:p>
+          <a:p>
+            <a:pPr marL="742950" lvl="1" indent="-285750">
+              <a:lnSpc>
+                <a:spcPct val="150000"/>
+              </a:lnSpc>
+              <a:buFont typeface="Courier New" panose="02070309020205020404" pitchFamily="49" charset="0"/>
+              <a:buChar char="o"/>
+            </a:pPr>
+            <a:r>
+              <a:rPr lang="en-US" sz="1600">
+                <a:solidFill>
+                  <a:schemeClr val="bg2">
+                    <a:lumMod val="75000"/>
+                  </a:schemeClr>
+                </a:solidFill>
+                <a:latin typeface="Avenir Book" panose="02000503020000020003" pitchFamily="2" charset="0"/>
+              </a:rPr>
+              <a:t>LR</a:t>
+            </a:r>
+          </a:p>
+          <a:p>
+            <a:pPr marL="742950" lvl="1" indent="-285750">
+              <a:lnSpc>
+                <a:spcPct val="150000"/>
+              </a:lnSpc>
+              <a:buFont typeface="Courier New" panose="02070309020205020404" pitchFamily="49" charset="0"/>
+              <a:buChar char="o"/>
+            </a:pPr>
+            <a:r>
+              <a:rPr lang="en-US" sz="1600">
+                <a:solidFill>
+                  <a:schemeClr val="bg2">
+                    <a:lumMod val="75000"/>
+                  </a:schemeClr>
+                </a:solidFill>
+                <a:latin typeface="Avenir Book" panose="02000503020000020003" pitchFamily="2" charset="0"/>
+              </a:rPr>
+              <a:t>DT</a:t>
+            </a:r>
+          </a:p>
+          <a:p>
+            <a:pPr marL="742950" lvl="1" indent="-285750">
+              <a:lnSpc>
+                <a:spcPct val="150000"/>
+              </a:lnSpc>
+              <a:buFont typeface="Courier New" panose="02070309020205020404" pitchFamily="49" charset="0"/>
+              <a:buChar char="o"/>
+            </a:pPr>
+            <a:r>
+              <a:rPr lang="en-US" sz="1600">
+                <a:latin typeface="Avenir Book" panose="02000503020000020003" pitchFamily="2" charset="0"/>
+              </a:rPr>
+              <a:t>RF</a:t>
+            </a:r>
+          </a:p>
+          <a:p>
+            <a:pPr marL="742950" lvl="1" indent="-285750">
+              <a:lnSpc>
+                <a:spcPct val="150000"/>
+              </a:lnSpc>
+              <a:buFont typeface="Courier New" panose="02070309020205020404" pitchFamily="49" charset="0"/>
+              <a:buChar char="o"/>
+            </a:pPr>
+            <a:r>
+              <a:rPr lang="en-US" sz="1600">
+                <a:latin typeface="Avenir Book" panose="02000503020000020003" pitchFamily="2" charset="0"/>
+              </a:rPr>
+              <a:t>GBDT</a:t>
+            </a:r>
+          </a:p>
+          <a:p>
+            <a:pPr marL="742950" lvl="1" indent="-285750">
+              <a:lnSpc>
+                <a:spcPct val="150000"/>
+              </a:lnSpc>
+              <a:buFont typeface="Courier New" panose="02070309020205020404" pitchFamily="49" charset="0"/>
+              <a:buChar char="o"/>
+            </a:pPr>
+            <a:r>
+              <a:rPr lang="en-US" sz="1600">
+                <a:solidFill>
+                  <a:schemeClr val="bg2">
+                    <a:lumMod val="75000"/>
+                  </a:schemeClr>
+                </a:solidFill>
+                <a:latin typeface="Avenir Book" panose="02000503020000020003" pitchFamily="2" charset="0"/>
+              </a:rPr>
+              <a:t>SVM</a:t>
+            </a:r>
+          </a:p>
+          <a:p>
+            <a:pPr marL="742950" lvl="1" indent="-285750">
+              <a:lnSpc>
+                <a:spcPct val="150000"/>
+              </a:lnSpc>
+              <a:buFont typeface="Courier New" panose="02070309020205020404" pitchFamily="49" charset="0"/>
+              <a:buChar char="o"/>
+            </a:pPr>
+            <a:r>
+              <a:rPr lang="en-US" sz="1600">
+                <a:solidFill>
+                  <a:schemeClr val="bg2">
+                    <a:lumMod val="75000"/>
+                  </a:schemeClr>
+                </a:solidFill>
+                <a:latin typeface="Avenir Book" panose="02000503020000020003" pitchFamily="2" charset="0"/>
+              </a:rPr>
+              <a:t>kNN</a:t>
+            </a:r>
+          </a:p>
+          <a:p>
+            <a:pPr marL="742950" lvl="1" indent="-285750">
+              <a:lnSpc>
+                <a:spcPct val="150000"/>
+              </a:lnSpc>
+              <a:buFont typeface="Courier New" panose="02070309020205020404" pitchFamily="49" charset="0"/>
+              <a:buChar char="o"/>
+            </a:pPr>
+            <a:r>
+              <a:rPr lang="en-US" sz="1600">
+                <a:solidFill>
+                  <a:schemeClr val="bg2">
+                    <a:lumMod val="75000"/>
+                  </a:schemeClr>
+                </a:solidFill>
+                <a:latin typeface="Avenir Book" panose="02000503020000020003" pitchFamily="2" charset="0"/>
+              </a:rPr>
+              <a:t>ANN</a:t>
+            </a:r>
+          </a:p>
+        </p:txBody>
+      </p:sp>
+      <p:pic>
+        <p:nvPicPr>
+          <p:cNvPr id="9" name="Picture 8">
+            <a:extLst>
+              <a:ext uri="{FF2B5EF4-FFF2-40B4-BE49-F238E27FC236}">
+                <a16:creationId xmlns:a16="http://schemas.microsoft.com/office/drawing/2014/main" id="{55590AD8-3DE9-894F-81D2-50A527E735F5}"/>
+              </a:ext>
+            </a:extLst>
+          </p:cNvPr>
+          <p:cNvPicPr>
+            <a:picLocks noChangeAspect="1"/>
+          </p:cNvPicPr>
+          <p:nvPr/>
+        </p:nvPicPr>
+        <p:blipFill>
+          <a:blip r:embed="rId3"/>
+          <a:stretch>
+            <a:fillRect/>
+          </a:stretch>
+        </p:blipFill>
+        <p:spPr>
+          <a:xfrm>
+            <a:off x="2712678" y="2098182"/>
+            <a:ext cx="2998634" cy="2634551"/>
+          </a:xfrm>
+          <a:prstGeom prst="rect">
+            <a:avLst/>
+          </a:prstGeom>
+        </p:spPr>
+      </p:pic>
+      <p:pic>
+        <p:nvPicPr>
+          <p:cNvPr id="46" name="Picture 45">
+            <a:extLst>
+              <a:ext uri="{FF2B5EF4-FFF2-40B4-BE49-F238E27FC236}">
+                <a16:creationId xmlns:a16="http://schemas.microsoft.com/office/drawing/2014/main" id="{DC34B969-86DE-FD4C-989A-80294146F7DB}"/>
+              </a:ext>
+            </a:extLst>
+          </p:cNvPr>
+          <p:cNvPicPr>
+            <a:picLocks noChangeAspect="1"/>
+          </p:cNvPicPr>
+          <p:nvPr/>
+        </p:nvPicPr>
+        <p:blipFill>
+          <a:blip r:embed="rId3"/>
+          <a:stretch>
+            <a:fillRect/>
+          </a:stretch>
+        </p:blipFill>
+        <p:spPr>
+          <a:xfrm>
+            <a:off x="5839515" y="2111723"/>
+            <a:ext cx="2998634" cy="2634551"/>
+          </a:xfrm>
+          <a:prstGeom prst="rect">
+            <a:avLst/>
+          </a:prstGeom>
+        </p:spPr>
+      </p:pic>
+      <p:pic>
+        <p:nvPicPr>
+          <p:cNvPr id="47" name="Picture 46">
+            <a:extLst>
+              <a:ext uri="{FF2B5EF4-FFF2-40B4-BE49-F238E27FC236}">
+                <a16:creationId xmlns:a16="http://schemas.microsoft.com/office/drawing/2014/main" id="{1E61E01E-DECF-5B4D-A3F3-BEC9D76B2D14}"/>
+              </a:ext>
+            </a:extLst>
+          </p:cNvPr>
+          <p:cNvPicPr>
+            <a:picLocks noChangeAspect="1"/>
+          </p:cNvPicPr>
+          <p:nvPr/>
+        </p:nvPicPr>
+        <p:blipFill>
+          <a:blip r:embed="rId3"/>
+          <a:stretch>
+            <a:fillRect/>
+          </a:stretch>
+        </p:blipFill>
+        <p:spPr>
+          <a:xfrm>
+            <a:off x="8966353" y="2111723"/>
+            <a:ext cx="2998634" cy="2634551"/>
+          </a:xfrm>
+          <a:prstGeom prst="rect">
+            <a:avLst/>
+          </a:prstGeom>
+        </p:spPr>
+      </p:pic>
+    </p:spTree>
+    <p:extLst>
+      <p:ext uri="{BB962C8B-B14F-4D97-AF65-F5344CB8AC3E}">
+        <p14:creationId xmlns:p14="http://schemas.microsoft.com/office/powerpoint/2010/main" val="2865599815"/>
+      </p:ext>
+    </p:extLst>
+  </p:cSld>
+  <p:clrMapOvr>
+    <a:masterClrMapping/>
+  </p:clrMapOvr>
+</p:sld>
+</file>
+
+<file path=ppt/slides/slide19.xml><?xml version="1.0" encoding="utf-8"?>
+<p:sld xmlns:a="http://schemas.openxmlformats.org/drawingml/2006/main" xmlns:r="http://schemas.openxmlformats.org/officeDocument/2006/relationships" xmlns:p="http://schemas.openxmlformats.org/presentationml/2006/main">
+  <p:cSld>
+    <p:spTree>
+      <p:nvGrpSpPr>
+        <p:cNvPr id="1" name=""/>
+        <p:cNvGrpSpPr/>
+        <p:nvPr/>
+      </p:nvGrpSpPr>
+      <p:grpSpPr>
+        <a:xfrm>
+          <a:off x="0" y="0"/>
+          <a:ext cx="0" cy="0"/>
+          <a:chOff x="0" y="0"/>
+          <a:chExt cx="0" cy="0"/>
+        </a:xfrm>
+      </p:grpSpPr>
+      <p:sp>
+        <p:nvSpPr>
+          <p:cNvPr id="4" name="Title 1">
+            <a:extLst>
+              <a:ext uri="{FF2B5EF4-FFF2-40B4-BE49-F238E27FC236}">
+                <a16:creationId xmlns:a16="http://schemas.microsoft.com/office/drawing/2014/main" id="{E5B55D2A-BB9B-4447-8755-EA7177571C9A}"/>
+              </a:ext>
+            </a:extLst>
+          </p:cNvPr>
+          <p:cNvSpPr>
+            <a:spLocks noGrp="1"/>
+          </p:cNvSpPr>
+          <p:nvPr>
+            <p:ph type="title"/>
+          </p:nvPr>
+        </p:nvSpPr>
+        <p:spPr>
+          <a:xfrm>
+            <a:off x="838200" y="365125"/>
+            <a:ext cx="10515600" cy="1325563"/>
+          </a:xfrm>
+        </p:spPr>
+        <p:txBody>
+          <a:bodyPr>
+            <a:normAutofit/>
+          </a:bodyPr>
+          <a:lstStyle/>
+          <a:p>
+            <a:r>
+              <a:rPr lang="en-US" sz="3600" b="1">
+                <a:latin typeface="Avenir Book" panose="02000503020000020003" pitchFamily="2" charset="0"/>
+              </a:rPr>
+              <a:t>Models</a:t>
+            </a:r>
+            <a:endParaRPr lang="en-US" sz="3600" baseline="-25000"/>
+          </a:p>
+        </p:txBody>
+      </p:sp>
+      <p:sp>
+        <p:nvSpPr>
+          <p:cNvPr id="6" name="TextBox 5">
+            <a:extLst>
+              <a:ext uri="{FF2B5EF4-FFF2-40B4-BE49-F238E27FC236}">
+                <a16:creationId xmlns:a16="http://schemas.microsoft.com/office/drawing/2014/main" id="{59F8B032-B20E-CD49-87AF-1304DDFD3D27}"/>
+              </a:ext>
+            </a:extLst>
+          </p:cNvPr>
+          <p:cNvSpPr txBox="1"/>
+          <p:nvPr/>
+        </p:nvSpPr>
+        <p:spPr>
+          <a:xfrm>
+            <a:off x="265471" y="1690688"/>
+            <a:ext cx="2910348" cy="4123052"/>
+          </a:xfrm>
+          <a:prstGeom prst="rect">
+            <a:avLst/>
+          </a:prstGeom>
+          <a:noFill/>
+        </p:spPr>
+        <p:txBody>
+          <a:bodyPr wrap="square" rtlCol="0">
+            <a:spAutoFit/>
+          </a:bodyPr>
+          <a:lstStyle/>
+          <a:p>
+            <a:pPr marL="285750" indent="-285750">
+              <a:lnSpc>
+                <a:spcPct val="150000"/>
+              </a:lnSpc>
+              <a:buFont typeface="Arial" panose="020B0604020202020204" pitchFamily="34" charset="0"/>
+              <a:buChar char="•"/>
+            </a:pPr>
+            <a:r>
+              <a:rPr lang="en-US" sz="1600" b="1">
+                <a:solidFill>
+                  <a:schemeClr val="bg2">
+                    <a:lumMod val="75000"/>
+                  </a:schemeClr>
+                </a:solidFill>
+                <a:latin typeface="Avenir Book" panose="02000503020000020003" pitchFamily="2" charset="0"/>
+              </a:rPr>
+              <a:t>Unsupervised</a:t>
+            </a:r>
+          </a:p>
+          <a:p>
+            <a:pPr marL="742950" lvl="1" indent="-285750">
+              <a:lnSpc>
+                <a:spcPct val="150000"/>
+              </a:lnSpc>
+              <a:buFont typeface="Courier New" panose="02070309020205020404" pitchFamily="49" charset="0"/>
+              <a:buChar char="o"/>
+            </a:pPr>
+            <a:r>
+              <a:rPr lang="en-US" sz="1600">
+                <a:solidFill>
+                  <a:schemeClr val="bg2">
+                    <a:lumMod val="75000"/>
+                  </a:schemeClr>
+                </a:solidFill>
+                <a:latin typeface="Avenir Book" panose="02000503020000020003" pitchFamily="2" charset="0"/>
+              </a:rPr>
+              <a:t>K-Means</a:t>
+            </a:r>
+          </a:p>
+          <a:p>
+            <a:pPr marL="742950" lvl="1" indent="-285750">
+              <a:lnSpc>
+                <a:spcPct val="150000"/>
+              </a:lnSpc>
+              <a:buFont typeface="Courier New" panose="02070309020205020404" pitchFamily="49" charset="0"/>
+              <a:buChar char="o"/>
+            </a:pPr>
+            <a:r>
+              <a:rPr lang="en-US" sz="1600">
+                <a:solidFill>
+                  <a:schemeClr val="bg2">
+                    <a:lumMod val="75000"/>
+                  </a:schemeClr>
+                </a:solidFill>
+                <a:latin typeface="Avenir Book" panose="02000503020000020003" pitchFamily="2" charset="0"/>
+              </a:rPr>
+              <a:t>SOM</a:t>
+            </a:r>
+          </a:p>
+          <a:p>
+            <a:pPr marL="285750" indent="-285750">
+              <a:lnSpc>
+                <a:spcPct val="150000"/>
+              </a:lnSpc>
+              <a:buFont typeface="Arial" panose="020B0604020202020204" pitchFamily="34" charset="0"/>
+              <a:buChar char="•"/>
+            </a:pPr>
+            <a:r>
+              <a:rPr lang="en-US" sz="1600" b="1">
+                <a:latin typeface="Avenir Book" panose="02000503020000020003" pitchFamily="2" charset="0"/>
+              </a:rPr>
+              <a:t>Supervised</a:t>
+            </a:r>
+          </a:p>
+          <a:p>
+            <a:pPr marL="742950" lvl="1" indent="-285750">
+              <a:lnSpc>
+                <a:spcPct val="150000"/>
+              </a:lnSpc>
+              <a:buFont typeface="Courier New" panose="02070309020205020404" pitchFamily="49" charset="0"/>
+              <a:buChar char="o"/>
+            </a:pPr>
+            <a:r>
+              <a:rPr lang="en-US" sz="1600">
+                <a:solidFill>
+                  <a:schemeClr val="bg2">
+                    <a:lumMod val="75000"/>
+                  </a:schemeClr>
+                </a:solidFill>
+                <a:latin typeface="Avenir Book" panose="02000503020000020003" pitchFamily="2" charset="0"/>
+              </a:rPr>
+              <a:t>LR</a:t>
+            </a:r>
+          </a:p>
+          <a:p>
+            <a:pPr marL="742950" lvl="1" indent="-285750">
+              <a:lnSpc>
+                <a:spcPct val="150000"/>
+              </a:lnSpc>
+              <a:buFont typeface="Courier New" panose="02070309020205020404" pitchFamily="49" charset="0"/>
+              <a:buChar char="o"/>
+            </a:pPr>
+            <a:r>
+              <a:rPr lang="en-US" sz="1600">
+                <a:solidFill>
+                  <a:schemeClr val="bg2">
+                    <a:lumMod val="75000"/>
+                  </a:schemeClr>
+                </a:solidFill>
+                <a:latin typeface="Avenir Book" panose="02000503020000020003" pitchFamily="2" charset="0"/>
+              </a:rPr>
+              <a:t>DT</a:t>
+            </a:r>
+          </a:p>
+          <a:p>
+            <a:pPr marL="742950" lvl="1" indent="-285750">
+              <a:lnSpc>
+                <a:spcPct val="150000"/>
+              </a:lnSpc>
+              <a:buFont typeface="Courier New" panose="02070309020205020404" pitchFamily="49" charset="0"/>
+              <a:buChar char="o"/>
+            </a:pPr>
+            <a:r>
+              <a:rPr lang="en-US" sz="1600">
+                <a:solidFill>
+                  <a:schemeClr val="bg2">
+                    <a:lumMod val="75000"/>
+                  </a:schemeClr>
+                </a:solidFill>
+                <a:latin typeface="Avenir Book" panose="02000503020000020003" pitchFamily="2" charset="0"/>
+              </a:rPr>
+              <a:t>RF</a:t>
+            </a:r>
+          </a:p>
+          <a:p>
+            <a:pPr marL="742950" lvl="1" indent="-285750">
+              <a:lnSpc>
+                <a:spcPct val="150000"/>
+              </a:lnSpc>
+              <a:buFont typeface="Courier New" panose="02070309020205020404" pitchFamily="49" charset="0"/>
+              <a:buChar char="o"/>
+            </a:pPr>
+            <a:r>
+              <a:rPr lang="en-US" sz="1600">
+                <a:solidFill>
+                  <a:schemeClr val="bg2">
+                    <a:lumMod val="75000"/>
+                  </a:schemeClr>
+                </a:solidFill>
+                <a:latin typeface="Avenir Book" panose="02000503020000020003" pitchFamily="2" charset="0"/>
+              </a:rPr>
+              <a:t>GBDT</a:t>
+            </a:r>
+          </a:p>
+          <a:p>
+            <a:pPr marL="742950" lvl="1" indent="-285750">
+              <a:lnSpc>
+                <a:spcPct val="150000"/>
+              </a:lnSpc>
+              <a:buFont typeface="Courier New" panose="02070309020205020404" pitchFamily="49" charset="0"/>
+              <a:buChar char="o"/>
+            </a:pPr>
+            <a:r>
+              <a:rPr lang="en-US" sz="1600">
+                <a:latin typeface="Avenir Book" panose="02000503020000020003" pitchFamily="2" charset="0"/>
+              </a:rPr>
+              <a:t>SVM</a:t>
+            </a:r>
+          </a:p>
+          <a:p>
+            <a:pPr marL="742950" lvl="1" indent="-285750">
+              <a:lnSpc>
+                <a:spcPct val="150000"/>
+              </a:lnSpc>
+              <a:buFont typeface="Courier New" panose="02070309020205020404" pitchFamily="49" charset="0"/>
+              <a:buChar char="o"/>
+            </a:pPr>
+            <a:r>
+              <a:rPr lang="en-US" sz="1600">
+                <a:solidFill>
+                  <a:schemeClr val="bg2">
+                    <a:lumMod val="75000"/>
+                  </a:schemeClr>
+                </a:solidFill>
+                <a:latin typeface="Avenir Book" panose="02000503020000020003" pitchFamily="2" charset="0"/>
+              </a:rPr>
+              <a:t>kNN</a:t>
+            </a:r>
+          </a:p>
+          <a:p>
+            <a:pPr marL="742950" lvl="1" indent="-285750">
+              <a:lnSpc>
+                <a:spcPct val="150000"/>
+              </a:lnSpc>
+              <a:buFont typeface="Courier New" panose="02070309020205020404" pitchFamily="49" charset="0"/>
+              <a:buChar char="o"/>
+            </a:pPr>
+            <a:r>
+              <a:rPr lang="en-US" sz="1600">
+                <a:solidFill>
+                  <a:schemeClr val="bg2">
+                    <a:lumMod val="75000"/>
+                  </a:schemeClr>
+                </a:solidFill>
+                <a:latin typeface="Avenir Book" panose="02000503020000020003" pitchFamily="2" charset="0"/>
+              </a:rPr>
+              <a:t>ANN</a:t>
+            </a:r>
+          </a:p>
+        </p:txBody>
+      </p:sp>
+    </p:spTree>
+    <p:extLst>
+      <p:ext uri="{BB962C8B-B14F-4D97-AF65-F5344CB8AC3E}">
+        <p14:creationId xmlns:p14="http://schemas.microsoft.com/office/powerpoint/2010/main" val="550295743"/>
       </p:ext>
     </p:extLst>
   </p:cSld>
@@ -8790,7 +13488,7 @@
         <p:spPr>
           <a:xfrm>
             <a:off x="265471" y="1690688"/>
-            <a:ext cx="2910348" cy="4123052"/>
+            <a:ext cx="2910348" cy="3753720"/>
           </a:xfrm>
           <a:prstGeom prst="rect">
             <a:avLst/>
@@ -8935,21 +13633,6 @@
                 <a:latin typeface="Avenir Book" panose="02000503020000020003" pitchFamily="2" charset="0"/>
               </a:rPr>
               <a:t>Autoencoders</a:t>
-            </a:r>
-          </a:p>
-          <a:p>
-            <a:pPr marL="742950" lvl="1" indent="-285750">
-              <a:lnSpc>
-                <a:spcPct val="150000"/>
-              </a:lnSpc>
-              <a:buFont typeface="Courier New" panose="02070309020205020404" pitchFamily="49" charset="0"/>
-              <a:buChar char="o"/>
-            </a:pPr>
-            <a:r>
-              <a:rPr lang="en-US" sz="1600">
-                <a:latin typeface="Avenir Book" panose="02000503020000020003" pitchFamily="2" charset="0"/>
-              </a:rPr>
-              <a:t>LDA</a:t>
             </a:r>
           </a:p>
           <a:p>
@@ -9055,7 +13738,7 @@
         <p:spPr>
           <a:xfrm>
             <a:off x="265471" y="1690688"/>
-            <a:ext cx="2910348" cy="4123052"/>
+            <a:ext cx="2910348" cy="3753720"/>
           </a:xfrm>
           <a:prstGeom prst="rect">
             <a:avLst/>
@@ -9235,26 +13918,6 @@
                 <a:latin typeface="Avenir Book" panose="02000503020000020003" pitchFamily="2" charset="0"/>
               </a:rPr>
               <a:t>Autoencoders</a:t>
-            </a:r>
-          </a:p>
-          <a:p>
-            <a:pPr marL="742950" lvl="1" indent="-285750">
-              <a:lnSpc>
-                <a:spcPct val="150000"/>
-              </a:lnSpc>
-              <a:buFont typeface="Courier New" panose="02070309020205020404" pitchFamily="49" charset="0"/>
-              <a:buChar char="o"/>
-            </a:pPr>
-            <a:r>
-              <a:rPr lang="en-US" sz="1600">
-                <a:solidFill>
-                  <a:schemeClr val="bg2">
-                    <a:lumMod val="75000"/>
-                  </a:schemeClr>
-                </a:solidFill>
-                <a:latin typeface="Avenir Book" panose="02000503020000020003" pitchFamily="2" charset="0"/>
-              </a:rPr>
-              <a:t>LDA</a:t>
             </a:r>
           </a:p>
           <a:p>
@@ -9420,7 +14083,7 @@
         <p:spPr>
           <a:xfrm>
             <a:off x="265471" y="1690688"/>
-            <a:ext cx="2910348" cy="4123052"/>
+            <a:ext cx="2910348" cy="3753720"/>
           </a:xfrm>
           <a:prstGeom prst="rect">
             <a:avLst/>
@@ -9600,26 +14263,6 @@
                 <a:latin typeface="Avenir Book" panose="02000503020000020003" pitchFamily="2" charset="0"/>
               </a:rPr>
               <a:t>Autoencoders</a:t>
-            </a:r>
-          </a:p>
-          <a:p>
-            <a:pPr marL="742950" lvl="1" indent="-285750">
-              <a:lnSpc>
-                <a:spcPct val="150000"/>
-              </a:lnSpc>
-              <a:buFont typeface="Courier New" panose="02070309020205020404" pitchFamily="49" charset="0"/>
-              <a:buChar char="o"/>
-            </a:pPr>
-            <a:r>
-              <a:rPr lang="en-US" sz="1600">
-                <a:solidFill>
-                  <a:schemeClr val="bg2">
-                    <a:lumMod val="75000"/>
-                  </a:schemeClr>
-                </a:solidFill>
-                <a:latin typeface="Avenir Book" panose="02000503020000020003" pitchFamily="2" charset="0"/>
-              </a:rPr>
-              <a:t>LDA</a:t>
             </a:r>
           </a:p>
           <a:p>
